--- a/java/docs/08-java-集合类.pptx
+++ b/java/docs/08-java-集合类.pptx
@@ -6,15 +6,27 @@
     <p:sldMasterId id="2147483660" r:id="rId2"/>
   </p:sldMasterIdLst>
   <p:notesMasterIdLst>
-    <p:notesMasterId r:id="rId9"/>
+    <p:notesMasterId r:id="rId21"/>
   </p:notesMasterIdLst>
   <p:sldIdLst>
     <p:sldId id="256" r:id="rId3"/>
     <p:sldId id="270" r:id="rId4"/>
     <p:sldId id="272" r:id="rId5"/>
     <p:sldId id="271" r:id="rId6"/>
-    <p:sldId id="261" r:id="rId7"/>
-    <p:sldId id="269" r:id="rId8"/>
+    <p:sldId id="273" r:id="rId7"/>
+    <p:sldId id="275" r:id="rId8"/>
+    <p:sldId id="274" r:id="rId9"/>
+    <p:sldId id="276" r:id="rId10"/>
+    <p:sldId id="277" r:id="rId11"/>
+    <p:sldId id="278" r:id="rId12"/>
+    <p:sldId id="279" r:id="rId13"/>
+    <p:sldId id="281" r:id="rId14"/>
+    <p:sldId id="280" r:id="rId15"/>
+    <p:sldId id="282" r:id="rId16"/>
+    <p:sldId id="283" r:id="rId17"/>
+    <p:sldId id="284" r:id="rId18"/>
+    <p:sldId id="261" r:id="rId19"/>
+    <p:sldId id="269" r:id="rId20"/>
   </p:sldIdLst>
   <p:sldSz cx="9144000" cy="6858000" type="screen4x3"/>
   <p:notesSz cx="6858000" cy="9144000"/>
@@ -198,7 +210,7 @@
           <a:p>
             <a:fld id="{D6CB015B-B7FF-4093-8E19-9AD7339689D2}" type="datetimeFigureOut">
               <a:rPr lang="zh-CN" altLang="en-US" smtClean="0"/>
-              <a:t>2017/12/3</a:t>
+              <a:t>2017/12/4</a:t>
             </a:fld>
             <a:endParaRPr lang="zh-CN" altLang="en-US"/>
           </a:p>
@@ -553,7 +565,7 @@
             <a:fld id="{96901A81-0F01-4EEE-B1B8-8AAFCC661EC4}" type="slidenum">
               <a:rPr lang="zh-CN" altLang="en-US" smtClean="0"/>
               <a:pPr/>
-              <a:t>5</a:t>
+              <a:t>17</a:t>
             </a:fld>
             <a:endParaRPr lang="zh-CN" altLang="en-US"/>
           </a:p>
@@ -2168,7 +2180,7 @@
             <a:fld id="{B35E7478-ADE7-4480-A214-01473DFE0029}" type="datetimeFigureOut">
               <a:rPr lang="zh-CN" altLang="en-US" smtClean="0"/>
               <a:pPr/>
-              <a:t>2017/12/3</a:t>
+              <a:t>2017/12/4</a:t>
             </a:fld>
             <a:endParaRPr lang="zh-CN" altLang="en-US"/>
           </a:p>
@@ -6033,7 +6045,7 @@
             <a:fld id="{B35E7478-ADE7-4480-A214-01473DFE0029}" type="datetimeFigureOut">
               <a:rPr lang="zh-CN" altLang="en-US" smtClean="0"/>
               <a:pPr/>
-              <a:t>2017/12/3</a:t>
+              <a:t>2017/12/4</a:t>
             </a:fld>
             <a:endParaRPr lang="zh-CN" altLang="en-US"/>
           </a:p>
@@ -7701,7 +7713,7 @@
             <a:fld id="{B35E7478-ADE7-4480-A214-01473DFE0029}" type="datetimeFigureOut">
               <a:rPr lang="zh-CN" altLang="en-US" smtClean="0"/>
               <a:pPr/>
-              <a:t>2017/12/3</a:t>
+              <a:t>2017/12/4</a:t>
             </a:fld>
             <a:endParaRPr lang="zh-CN" altLang="en-US"/>
           </a:p>
@@ -12005,7 +12017,7 @@
                 </a:solidFill>
               </a:rPr>
               <a:pPr/>
-              <a:t>2017/12/3</a:t>
+              <a:t>2017/12/4</a:t>
             </a:fld>
             <a:endParaRPr lang="zh-CN" altLang="en-US">
               <a:solidFill>
@@ -15923,7 +15935,7 @@
                 </a:solidFill>
               </a:rPr>
               <a:pPr/>
-              <a:t>2017/12/3</a:t>
+              <a:t>2017/12/4</a:t>
             </a:fld>
             <a:endParaRPr lang="zh-CN" altLang="en-US">
               <a:solidFill>
@@ -21774,7 +21786,7 @@
                 </a:solidFill>
               </a:rPr>
               <a:pPr/>
-              <a:t>2017/12/3</a:t>
+              <a:t>2017/12/4</a:t>
             </a:fld>
             <a:endParaRPr lang="zh-CN" altLang="en-US">
               <a:solidFill>
@@ -22364,7 +22376,7 @@
                 </a:solidFill>
               </a:rPr>
               <a:pPr/>
-              <a:t>2017/12/3</a:t>
+              <a:t>2017/12/4</a:t>
             </a:fld>
             <a:endParaRPr lang="zh-CN" altLang="en-US">
               <a:solidFill>
@@ -26068,7 +26080,7 @@
                 </a:solidFill>
               </a:rPr>
               <a:pPr/>
-              <a:t>2017/12/3</a:t>
+              <a:t>2017/12/4</a:t>
             </a:fld>
             <a:endParaRPr lang="zh-CN" altLang="en-US">
               <a:solidFill>
@@ -26202,7 +26214,7 @@
                 </a:solidFill>
               </a:rPr>
               <a:pPr/>
-              <a:t>2017/12/3</a:t>
+              <a:t>2017/12/4</a:t>
             </a:fld>
             <a:endParaRPr lang="zh-CN" altLang="en-US">
               <a:solidFill>
@@ -27031,7 +27043,7 @@
             <a:fld id="{B35E7478-ADE7-4480-A214-01473DFE0029}" type="datetimeFigureOut">
               <a:rPr lang="zh-CN" altLang="en-US" smtClean="0"/>
               <a:pPr/>
-              <a:t>2017/12/3</a:t>
+              <a:t>2017/12/4</a:t>
             </a:fld>
             <a:endParaRPr lang="zh-CN" altLang="en-US"/>
           </a:p>
@@ -32359,7 +32371,7 @@
             <a:fld id="{B35E7478-ADE7-4480-A214-01473DFE0029}" type="datetimeFigureOut">
               <a:rPr lang="zh-CN" altLang="en-US" smtClean="0"/>
               <a:pPr/>
-              <a:t>2017/12/3</a:t>
+              <a:t>2017/12/4</a:t>
             </a:fld>
             <a:endParaRPr lang="zh-CN" altLang="en-US"/>
           </a:p>
@@ -37713,7 +37725,7 @@
             <a:fld id="{B35E7478-ADE7-4480-A214-01473DFE0029}" type="datetimeFigureOut">
               <a:rPr lang="zh-CN" altLang="en-US" smtClean="0"/>
               <a:pPr/>
-              <a:t>2017/12/3</a:t>
+              <a:t>2017/12/4</a:t>
             </a:fld>
             <a:endParaRPr lang="zh-CN" altLang="en-US"/>
           </a:p>
@@ -37810,7 +37822,7 @@
             <a:fld id="{B35E7478-ADE7-4480-A214-01473DFE0029}" type="datetimeFigureOut">
               <a:rPr lang="zh-CN" altLang="en-US" smtClean="0"/>
               <a:pPr/>
-              <a:t>2017/12/3</a:t>
+              <a:t>2017/12/4</a:t>
             </a:fld>
             <a:endParaRPr lang="zh-CN" altLang="en-US"/>
           </a:p>
@@ -38096,7 +38108,7 @@
             <a:fld id="{B35E7478-ADE7-4480-A214-01473DFE0029}" type="datetimeFigureOut">
               <a:rPr lang="zh-CN" altLang="en-US" smtClean="0"/>
               <a:pPr/>
-              <a:t>2017/12/3</a:t>
+              <a:t>2017/12/4</a:t>
             </a:fld>
             <a:endParaRPr lang="zh-CN" altLang="en-US"/>
           </a:p>
@@ -38351,7 +38363,7 @@
             <a:fld id="{B35E7478-ADE7-4480-A214-01473DFE0029}" type="datetimeFigureOut">
               <a:rPr lang="zh-CN" altLang="en-US" smtClean="0"/>
               <a:pPr/>
-              <a:t>2017/12/3</a:t>
+              <a:t>2017/12/4</a:t>
             </a:fld>
             <a:endParaRPr lang="zh-CN" altLang="en-US"/>
           </a:p>
@@ -38523,7 +38535,7 @@
             <a:fld id="{B35E7478-ADE7-4480-A214-01473DFE0029}" type="datetimeFigureOut">
               <a:rPr lang="zh-CN" altLang="en-US" smtClean="0"/>
               <a:pPr/>
-              <a:t>2017/12/3</a:t>
+              <a:t>2017/12/4</a:t>
             </a:fld>
             <a:endParaRPr lang="zh-CN" altLang="en-US"/>
           </a:p>
@@ -38750,7 +38762,7 @@
             <a:fld id="{B35E7478-ADE7-4480-A214-01473DFE0029}" type="datetimeFigureOut">
               <a:rPr lang="zh-CN" altLang="en-US" smtClean="0"/>
               <a:pPr/>
-              <a:t>2017/12/3</a:t>
+              <a:t>2017/12/4</a:t>
             </a:fld>
             <a:endParaRPr lang="zh-CN" altLang="en-US"/>
           </a:p>
@@ -39286,7 +39298,7 @@
                 </a:solidFill>
               </a:rPr>
               <a:pPr/>
-              <a:t>2017/12/3</a:t>
+              <a:t>2017/12/4</a:t>
             </a:fld>
             <a:endParaRPr lang="zh-CN" altLang="en-US">
               <a:solidFill>
@@ -39709,11 +39721,7 @@
           <a:p>
             <a:r>
               <a:rPr lang="zh-CN" altLang="en-US" dirty="0" smtClean="0"/>
-              <a:t>集合</a:t>
-            </a:r>
-            <a:r>
-              <a:rPr lang="zh-CN" altLang="en-US" dirty="0" smtClean="0"/>
-              <a:t>类</a:t>
+              <a:t>集合类</a:t>
             </a:r>
             <a:endParaRPr lang="zh-CN" altLang="en-US" dirty="0"/>
           </a:p>
@@ -39746,6 +39754,1721 @@
     <p:extLst>
       <p:ext uri="{BB962C8B-B14F-4D97-AF65-F5344CB8AC3E}">
         <p14:creationId xmlns:p14="http://schemas.microsoft.com/office/powerpoint/2010/main" val="2150810646"/>
+      </p:ext>
+    </p:extLst>
+  </p:cSld>
+  <p:clrMapOvr>
+    <a:masterClrMapping/>
+  </p:clrMapOvr>
+  <p:timing>
+    <p:tnLst>
+      <p:par>
+        <p:cTn id="1" dur="indefinite" restart="never" nodeType="tmRoot"/>
+      </p:par>
+    </p:tnLst>
+  </p:timing>
+</p:sld>
+</file>
+
+<file path=ppt/slides/slide10.xml><?xml version="1.0" encoding="utf-8"?>
+<p:sld xmlns:a="http://schemas.openxmlformats.org/drawingml/2006/main" xmlns:r="http://schemas.openxmlformats.org/officeDocument/2006/relationships" xmlns:p="http://schemas.openxmlformats.org/presentationml/2006/main">
+  <p:cSld>
+    <p:spTree>
+      <p:nvGrpSpPr>
+        <p:cNvPr id="1" name=""/>
+        <p:cNvGrpSpPr/>
+        <p:nvPr/>
+      </p:nvGrpSpPr>
+      <p:grpSpPr>
+        <a:xfrm>
+          <a:off x="0" y="0"/>
+          <a:ext cx="0" cy="0"/>
+          <a:chOff x="0" y="0"/>
+          <a:chExt cx="0" cy="0"/>
+        </a:xfrm>
+      </p:grpSpPr>
+      <p:sp>
+        <p:nvSpPr>
+          <p:cNvPr id="2" name="标题 1"/>
+          <p:cNvSpPr>
+            <a:spLocks noGrp="1"/>
+          </p:cNvSpPr>
+          <p:nvPr>
+            <p:ph type="title"/>
+          </p:nvPr>
+        </p:nvSpPr>
+        <p:spPr/>
+        <p:txBody>
+          <a:bodyPr>
+            <a:normAutofit fontScale="90000"/>
+          </a:bodyPr>
+          <a:lstStyle/>
+          <a:p>
+            <a:r>
+              <a:rPr lang="en-US" altLang="zh-CN" b="1" dirty="0">
+                <a:effectLst/>
+              </a:rPr>
+              <a:t>Set&lt;E</a:t>
+            </a:r>
+            <a:r>
+              <a:rPr lang="en-US" altLang="zh-CN" b="1" dirty="0" smtClean="0">
+                <a:effectLst/>
+              </a:rPr>
+              <a:t>&gt;</a:t>
+            </a:r>
+            <a:endParaRPr lang="zh-CN" altLang="en-US" dirty="0"/>
+          </a:p>
+        </p:txBody>
+      </p:sp>
+      <p:sp>
+        <p:nvSpPr>
+          <p:cNvPr id="3" name="内容占位符 2"/>
+          <p:cNvSpPr>
+            <a:spLocks noGrp="1"/>
+          </p:cNvSpPr>
+          <p:nvPr>
+            <p:ph idx="1"/>
+          </p:nvPr>
+        </p:nvSpPr>
+        <p:spPr/>
+        <p:txBody>
+          <a:bodyPr/>
+          <a:lstStyle/>
+          <a:p>
+            <a:r>
+              <a:rPr lang="zh-CN" altLang="en-US" dirty="0" smtClean="0"/>
+              <a:t>集合</a:t>
+            </a:r>
+            <a:endParaRPr lang="zh-CN" altLang="en-US" dirty="0"/>
+          </a:p>
+        </p:txBody>
+      </p:sp>
+    </p:spTree>
+    <p:extLst>
+      <p:ext uri="{BB962C8B-B14F-4D97-AF65-F5344CB8AC3E}">
+        <p14:creationId xmlns:p14="http://schemas.microsoft.com/office/powerpoint/2010/main" val="1649451185"/>
+      </p:ext>
+    </p:extLst>
+  </p:cSld>
+  <p:clrMapOvr>
+    <a:masterClrMapping/>
+  </p:clrMapOvr>
+  <p:timing>
+    <p:tnLst>
+      <p:par>
+        <p:cTn id="1" dur="indefinite" restart="never" nodeType="tmRoot"/>
+      </p:par>
+    </p:tnLst>
+  </p:timing>
+</p:sld>
+</file>
+
+<file path=ppt/slides/slide11.xml><?xml version="1.0" encoding="utf-8"?>
+<p:sld xmlns:a="http://schemas.openxmlformats.org/drawingml/2006/main" xmlns:r="http://schemas.openxmlformats.org/officeDocument/2006/relationships" xmlns:p="http://schemas.openxmlformats.org/presentationml/2006/main">
+  <p:cSld>
+    <p:spTree>
+      <p:nvGrpSpPr>
+        <p:cNvPr id="1" name=""/>
+        <p:cNvGrpSpPr/>
+        <p:nvPr/>
+      </p:nvGrpSpPr>
+      <p:grpSpPr>
+        <a:xfrm>
+          <a:off x="0" y="0"/>
+          <a:ext cx="0" cy="0"/>
+          <a:chOff x="0" y="0"/>
+          <a:chExt cx="0" cy="0"/>
+        </a:xfrm>
+      </p:grpSpPr>
+      <p:sp>
+        <p:nvSpPr>
+          <p:cNvPr id="2" name="标题 1"/>
+          <p:cNvSpPr>
+            <a:spLocks noGrp="1"/>
+          </p:cNvSpPr>
+          <p:nvPr>
+            <p:ph type="title"/>
+          </p:nvPr>
+        </p:nvSpPr>
+        <p:spPr/>
+        <p:txBody>
+          <a:bodyPr>
+            <a:normAutofit fontScale="90000"/>
+          </a:bodyPr>
+          <a:lstStyle/>
+          <a:p>
+            <a:r>
+              <a:rPr lang="en-US" altLang="zh-CN" dirty="0" err="1" smtClean="0"/>
+              <a:t>HashSet</a:t>
+            </a:r>
+            <a:r>
+              <a:rPr lang="en-US" altLang="zh-CN" dirty="0" smtClean="0"/>
+              <a:t>&lt;E&gt;</a:t>
+            </a:r>
+            <a:endParaRPr lang="zh-CN" altLang="en-US" dirty="0"/>
+          </a:p>
+        </p:txBody>
+      </p:sp>
+      <p:sp>
+        <p:nvSpPr>
+          <p:cNvPr id="3" name="内容占位符 2"/>
+          <p:cNvSpPr>
+            <a:spLocks noGrp="1"/>
+          </p:cNvSpPr>
+          <p:nvPr>
+            <p:ph idx="1"/>
+          </p:nvPr>
+        </p:nvSpPr>
+        <p:spPr/>
+        <p:txBody>
+          <a:bodyPr/>
+          <a:lstStyle/>
+          <a:p>
+            <a:pPr marL="0" indent="0">
+              <a:buNone/>
+            </a:pPr>
+            <a:r>
+              <a:rPr lang="en-US" altLang="zh-CN" dirty="0" err="1"/>
+              <a:t>HashSet</a:t>
+            </a:r>
+            <a:r>
+              <a:rPr lang="en-US" altLang="zh-CN" dirty="0"/>
+              <a:t>&lt;String&gt; </a:t>
+            </a:r>
+            <a:r>
+              <a:rPr lang="en-US" altLang="zh-CN" dirty="0" err="1"/>
+              <a:t>hset</a:t>
+            </a:r>
+            <a:r>
+              <a:rPr lang="en-US" altLang="zh-CN" dirty="0"/>
+              <a:t> = </a:t>
+            </a:r>
+          </a:p>
+          <a:p>
+            <a:pPr marL="0" indent="0">
+              <a:buNone/>
+            </a:pPr>
+            <a:r>
+              <a:rPr lang="en-US" altLang="zh-CN" dirty="0"/>
+              <a:t>               new </a:t>
+            </a:r>
+            <a:r>
+              <a:rPr lang="en-US" altLang="zh-CN" dirty="0" err="1"/>
+              <a:t>HashSet</a:t>
+            </a:r>
+            <a:r>
+              <a:rPr lang="en-US" altLang="zh-CN" dirty="0"/>
+              <a:t>&lt;String&gt;();</a:t>
+            </a:r>
+          </a:p>
+          <a:p>
+            <a:pPr marL="0" indent="0">
+              <a:buNone/>
+            </a:pPr>
+            <a:r>
+              <a:rPr lang="en-US" altLang="zh-CN" dirty="0" err="1" smtClean="0"/>
+              <a:t>hset.add</a:t>
+            </a:r>
+            <a:r>
+              <a:rPr lang="en-US" altLang="zh-CN" dirty="0"/>
+              <a:t>("Apple");</a:t>
+            </a:r>
+          </a:p>
+          <a:p>
+            <a:pPr marL="0" indent="0">
+              <a:buNone/>
+            </a:pPr>
+            <a:r>
+              <a:rPr lang="en-US" altLang="zh-CN" dirty="0" err="1" smtClean="0"/>
+              <a:t>hset.add</a:t>
+            </a:r>
+            <a:r>
+              <a:rPr lang="en-US" altLang="zh-CN" dirty="0"/>
+              <a:t>("Mango");</a:t>
+            </a:r>
+          </a:p>
+          <a:p>
+            <a:pPr marL="0" indent="0">
+              <a:buNone/>
+            </a:pPr>
+            <a:r>
+              <a:rPr lang="en-US" altLang="zh-CN" dirty="0" err="1" smtClean="0"/>
+              <a:t>hset.add</a:t>
+            </a:r>
+            <a:r>
+              <a:rPr lang="en-US" altLang="zh-CN" dirty="0"/>
+              <a:t>("Grapes");</a:t>
+            </a:r>
+          </a:p>
+          <a:p>
+            <a:pPr marL="0" indent="0">
+              <a:buNone/>
+            </a:pPr>
+            <a:r>
+              <a:rPr lang="en-US" altLang="zh-CN" dirty="0" err="1" smtClean="0"/>
+              <a:t>hset.add</a:t>
+            </a:r>
+            <a:r>
+              <a:rPr lang="en-US" altLang="zh-CN" dirty="0"/>
+              <a:t>("Orange");</a:t>
+            </a:r>
+            <a:endParaRPr lang="zh-CN" altLang="en-US" dirty="0"/>
+          </a:p>
+        </p:txBody>
+      </p:sp>
+    </p:spTree>
+    <p:extLst>
+      <p:ext uri="{BB962C8B-B14F-4D97-AF65-F5344CB8AC3E}">
+        <p14:creationId xmlns:p14="http://schemas.microsoft.com/office/powerpoint/2010/main" val="1090770226"/>
+      </p:ext>
+    </p:extLst>
+  </p:cSld>
+  <p:clrMapOvr>
+    <a:masterClrMapping/>
+  </p:clrMapOvr>
+  <p:timing>
+    <p:tnLst>
+      <p:par>
+        <p:cTn id="1" dur="indefinite" restart="never" nodeType="tmRoot"/>
+      </p:par>
+    </p:tnLst>
+  </p:timing>
+</p:sld>
+</file>
+
+<file path=ppt/slides/slide12.xml><?xml version="1.0" encoding="utf-8"?>
+<p:sld xmlns:a="http://schemas.openxmlformats.org/drawingml/2006/main" xmlns:r="http://schemas.openxmlformats.org/officeDocument/2006/relationships" xmlns:p="http://schemas.openxmlformats.org/presentationml/2006/main">
+  <p:cSld>
+    <p:spTree>
+      <p:nvGrpSpPr>
+        <p:cNvPr id="1" name=""/>
+        <p:cNvGrpSpPr/>
+        <p:nvPr/>
+      </p:nvGrpSpPr>
+      <p:grpSpPr>
+        <a:xfrm>
+          <a:off x="0" y="0"/>
+          <a:ext cx="0" cy="0"/>
+          <a:chOff x="0" y="0"/>
+          <a:chExt cx="0" cy="0"/>
+        </a:xfrm>
+      </p:grpSpPr>
+      <p:sp>
+        <p:nvSpPr>
+          <p:cNvPr id="2" name="标题 1"/>
+          <p:cNvSpPr>
+            <a:spLocks noGrp="1"/>
+          </p:cNvSpPr>
+          <p:nvPr>
+            <p:ph type="title"/>
+          </p:nvPr>
+        </p:nvSpPr>
+        <p:spPr/>
+        <p:txBody>
+          <a:bodyPr>
+            <a:normAutofit fontScale="90000"/>
+          </a:bodyPr>
+          <a:lstStyle/>
+          <a:p>
+            <a:r>
+              <a:rPr lang="en-US" altLang="zh-CN" dirty="0" err="1" smtClean="0"/>
+              <a:t>TreeSet</a:t>
+            </a:r>
+            <a:r>
+              <a:rPr lang="en-US" altLang="zh-CN" dirty="0" smtClean="0"/>
+              <a:t>&lt;E&gt;</a:t>
+            </a:r>
+            <a:endParaRPr lang="zh-CN" altLang="en-US" dirty="0"/>
+          </a:p>
+        </p:txBody>
+      </p:sp>
+      <p:sp>
+        <p:nvSpPr>
+          <p:cNvPr id="3" name="内容占位符 2"/>
+          <p:cNvSpPr>
+            <a:spLocks noGrp="1"/>
+          </p:cNvSpPr>
+          <p:nvPr>
+            <p:ph idx="1"/>
+          </p:nvPr>
+        </p:nvSpPr>
+        <p:spPr/>
+        <p:txBody>
+          <a:bodyPr>
+            <a:normAutofit fontScale="77500" lnSpcReduction="20000"/>
+          </a:bodyPr>
+          <a:lstStyle/>
+          <a:p>
+            <a:pPr marL="0" indent="0">
+              <a:buNone/>
+            </a:pPr>
+            <a:r>
+              <a:rPr lang="en-US" altLang="zh-CN" dirty="0"/>
+              <a:t>E	first()</a:t>
+            </a:r>
+          </a:p>
+          <a:p>
+            <a:pPr marL="0" indent="0">
+              <a:buNone/>
+            </a:pPr>
+            <a:r>
+              <a:rPr lang="en-US" altLang="zh-CN" dirty="0"/>
+              <a:t>E	last</a:t>
+            </a:r>
+            <a:r>
+              <a:rPr lang="en-US" altLang="zh-CN" dirty="0" smtClean="0"/>
+              <a:t>()</a:t>
+            </a:r>
+          </a:p>
+          <a:p>
+            <a:pPr marL="0" indent="0">
+              <a:buNone/>
+            </a:pPr>
+            <a:endParaRPr lang="en-US" altLang="zh-CN" dirty="0"/>
+          </a:p>
+          <a:p>
+            <a:pPr marL="0" indent="0">
+              <a:buNone/>
+            </a:pPr>
+            <a:r>
+              <a:rPr lang="en-US" altLang="zh-CN" dirty="0" err="1"/>
+              <a:t>TreeSet</a:t>
+            </a:r>
+            <a:r>
+              <a:rPr lang="en-US" altLang="zh-CN" dirty="0"/>
+              <a:t>&lt;String&gt; </a:t>
+            </a:r>
+            <a:r>
+              <a:rPr lang="en-US" altLang="zh-CN" dirty="0" err="1"/>
+              <a:t>tset</a:t>
+            </a:r>
+            <a:r>
+              <a:rPr lang="en-US" altLang="zh-CN" dirty="0"/>
+              <a:t> = new </a:t>
+            </a:r>
+            <a:r>
+              <a:rPr lang="en-US" altLang="zh-CN" dirty="0" err="1"/>
+              <a:t>TreeSet</a:t>
+            </a:r>
+            <a:r>
+              <a:rPr lang="en-US" altLang="zh-CN" dirty="0"/>
+              <a:t>&lt;String&gt;();</a:t>
+            </a:r>
+          </a:p>
+          <a:p>
+            <a:pPr marL="0" indent="0">
+              <a:buNone/>
+            </a:pPr>
+            <a:endParaRPr lang="en-US" altLang="zh-CN" dirty="0"/>
+          </a:p>
+          <a:p>
+            <a:pPr marL="0" indent="0">
+              <a:buNone/>
+            </a:pPr>
+            <a:r>
+              <a:rPr lang="en-US" altLang="zh-CN" dirty="0" smtClean="0"/>
+              <a:t>// </a:t>
+            </a:r>
+            <a:r>
+              <a:rPr lang="en-US" altLang="zh-CN" dirty="0"/>
+              <a:t>Adding elements to </a:t>
+            </a:r>
+            <a:r>
+              <a:rPr lang="en-US" altLang="zh-CN" dirty="0" err="1"/>
+              <a:t>TreeSet</a:t>
+            </a:r>
+            <a:r>
+              <a:rPr lang="en-US" altLang="zh-CN" dirty="0"/>
+              <a:t>&lt;String&gt;</a:t>
+            </a:r>
+          </a:p>
+          <a:p>
+            <a:pPr marL="0" indent="0">
+              <a:buNone/>
+            </a:pPr>
+            <a:r>
+              <a:rPr lang="en-US" altLang="zh-CN" dirty="0" err="1" smtClean="0"/>
+              <a:t>tset.add</a:t>
+            </a:r>
+            <a:r>
+              <a:rPr lang="en-US" altLang="zh-CN" dirty="0"/>
+              <a:t>("ABC");</a:t>
+            </a:r>
+          </a:p>
+          <a:p>
+            <a:pPr marL="0" indent="0">
+              <a:buNone/>
+            </a:pPr>
+            <a:r>
+              <a:rPr lang="en-US" altLang="zh-CN" dirty="0" err="1" smtClean="0"/>
+              <a:t>tset.add</a:t>
+            </a:r>
+            <a:r>
+              <a:rPr lang="en-US" altLang="zh-CN" dirty="0"/>
+              <a:t>("String");</a:t>
+            </a:r>
+          </a:p>
+          <a:p>
+            <a:pPr marL="0" indent="0">
+              <a:buNone/>
+            </a:pPr>
+            <a:r>
+              <a:rPr lang="en-US" altLang="zh-CN" dirty="0" err="1" smtClean="0"/>
+              <a:t>tset.add</a:t>
+            </a:r>
+            <a:r>
+              <a:rPr lang="en-US" altLang="zh-CN" dirty="0"/>
+              <a:t>("Test</a:t>
+            </a:r>
+            <a:r>
+              <a:rPr lang="en-US" altLang="zh-CN" dirty="0" smtClean="0"/>
+              <a:t>");</a:t>
+            </a:r>
+          </a:p>
+          <a:p>
+            <a:pPr marL="0" indent="0">
+              <a:buNone/>
+            </a:pPr>
+            <a:r>
+              <a:rPr lang="en-US" altLang="zh-CN" dirty="0"/>
+              <a:t> </a:t>
+            </a:r>
+            <a:r>
+              <a:rPr lang="en-US" altLang="zh-CN" dirty="0" smtClean="0"/>
+              <a:t>         </a:t>
+            </a:r>
+          </a:p>
+          <a:p>
+            <a:pPr marL="0" indent="0">
+              <a:buNone/>
+            </a:pPr>
+            <a:r>
+              <a:rPr lang="en-US" altLang="zh-CN" dirty="0" smtClean="0"/>
+              <a:t>String first = </a:t>
+            </a:r>
+            <a:r>
+              <a:rPr lang="en-US" altLang="zh-CN" dirty="0" err="1" smtClean="0"/>
+              <a:t>tset.first</a:t>
+            </a:r>
+            <a:r>
+              <a:rPr lang="en-US" altLang="zh-CN" dirty="0" smtClean="0"/>
+              <a:t>() ;</a:t>
+            </a:r>
+            <a:endParaRPr lang="zh-CN" altLang="en-US" dirty="0"/>
+          </a:p>
+        </p:txBody>
+      </p:sp>
+    </p:spTree>
+    <p:extLst>
+      <p:ext uri="{BB962C8B-B14F-4D97-AF65-F5344CB8AC3E}">
+        <p14:creationId xmlns:p14="http://schemas.microsoft.com/office/powerpoint/2010/main" val="595989598"/>
+      </p:ext>
+    </p:extLst>
+  </p:cSld>
+  <p:clrMapOvr>
+    <a:masterClrMapping/>
+  </p:clrMapOvr>
+  <p:timing>
+    <p:tnLst>
+      <p:par>
+        <p:cTn id="1" dur="indefinite" restart="never" nodeType="tmRoot"/>
+      </p:par>
+    </p:tnLst>
+  </p:timing>
+</p:sld>
+</file>
+
+<file path=ppt/slides/slide13.xml><?xml version="1.0" encoding="utf-8"?>
+<p:sld xmlns:a="http://schemas.openxmlformats.org/drawingml/2006/main" xmlns:r="http://schemas.openxmlformats.org/officeDocument/2006/relationships" xmlns:p="http://schemas.openxmlformats.org/presentationml/2006/main">
+  <p:cSld>
+    <p:spTree>
+      <p:nvGrpSpPr>
+        <p:cNvPr id="1" name=""/>
+        <p:cNvGrpSpPr/>
+        <p:nvPr/>
+      </p:nvGrpSpPr>
+      <p:grpSpPr>
+        <a:xfrm>
+          <a:off x="0" y="0"/>
+          <a:ext cx="0" cy="0"/>
+          <a:chOff x="0" y="0"/>
+          <a:chExt cx="0" cy="0"/>
+        </a:xfrm>
+      </p:grpSpPr>
+      <p:sp>
+        <p:nvSpPr>
+          <p:cNvPr id="2" name="标题 1"/>
+          <p:cNvSpPr>
+            <a:spLocks noGrp="1"/>
+          </p:cNvSpPr>
+          <p:nvPr>
+            <p:ph type="title"/>
+          </p:nvPr>
+        </p:nvSpPr>
+        <p:spPr/>
+        <p:txBody>
+          <a:bodyPr>
+            <a:normAutofit fontScale="90000"/>
+          </a:bodyPr>
+          <a:lstStyle/>
+          <a:p>
+            <a:r>
+              <a:rPr lang="en-US" altLang="zh-CN" dirty="0"/>
+              <a:t>Map&lt;K,V&gt;</a:t>
+            </a:r>
+            <a:endParaRPr lang="zh-CN" altLang="en-US" dirty="0"/>
+          </a:p>
+        </p:txBody>
+      </p:sp>
+      <p:sp>
+        <p:nvSpPr>
+          <p:cNvPr id="3" name="内容占位符 2"/>
+          <p:cNvSpPr>
+            <a:spLocks noGrp="1"/>
+          </p:cNvSpPr>
+          <p:nvPr>
+            <p:ph idx="1"/>
+          </p:nvPr>
+        </p:nvSpPr>
+        <p:spPr/>
+        <p:txBody>
+          <a:bodyPr>
+            <a:normAutofit fontScale="70000" lnSpcReduction="20000"/>
+          </a:bodyPr>
+          <a:lstStyle/>
+          <a:p>
+            <a:pPr marL="0" indent="0">
+              <a:buNone/>
+            </a:pPr>
+            <a:r>
+              <a:rPr lang="en-US" altLang="zh-CN" dirty="0"/>
+              <a:t>void	clear()</a:t>
+            </a:r>
+          </a:p>
+          <a:p>
+            <a:pPr marL="0" indent="0">
+              <a:buNone/>
+            </a:pPr>
+            <a:r>
+              <a:rPr lang="en-US" altLang="zh-CN" dirty="0" err="1"/>
+              <a:t>boolean</a:t>
+            </a:r>
+            <a:r>
+              <a:rPr lang="en-US" altLang="zh-CN" dirty="0"/>
+              <a:t>	</a:t>
+            </a:r>
+            <a:r>
+              <a:rPr lang="en-US" altLang="zh-CN" dirty="0" err="1"/>
+              <a:t>containsKey</a:t>
+            </a:r>
+            <a:r>
+              <a:rPr lang="en-US" altLang="zh-CN" dirty="0"/>
+              <a:t>(Object key)</a:t>
+            </a:r>
+          </a:p>
+          <a:p>
+            <a:pPr marL="0" indent="0">
+              <a:buNone/>
+            </a:pPr>
+            <a:r>
+              <a:rPr lang="en-US" altLang="zh-CN" dirty="0" err="1"/>
+              <a:t>boolean</a:t>
+            </a:r>
+            <a:r>
+              <a:rPr lang="en-US" altLang="zh-CN" dirty="0"/>
+              <a:t>	</a:t>
+            </a:r>
+            <a:r>
+              <a:rPr lang="en-US" altLang="zh-CN" dirty="0" err="1"/>
+              <a:t>containsValue</a:t>
+            </a:r>
+            <a:r>
+              <a:rPr lang="en-US" altLang="zh-CN" dirty="0"/>
+              <a:t>(Object value)</a:t>
+            </a:r>
+          </a:p>
+          <a:p>
+            <a:pPr marL="0" indent="0">
+              <a:buNone/>
+            </a:pPr>
+            <a:r>
+              <a:rPr lang="en-US" altLang="zh-CN" dirty="0"/>
+              <a:t>Set&lt;</a:t>
+            </a:r>
+            <a:r>
+              <a:rPr lang="en-US" altLang="zh-CN" dirty="0" err="1"/>
+              <a:t>Map.Entry</a:t>
+            </a:r>
+            <a:r>
+              <a:rPr lang="en-US" altLang="zh-CN" dirty="0"/>
+              <a:t>&lt;K,V&gt;&gt;	</a:t>
+            </a:r>
+            <a:r>
+              <a:rPr lang="en-US" altLang="zh-CN" dirty="0" err="1"/>
+              <a:t>entrySet</a:t>
+            </a:r>
+            <a:r>
+              <a:rPr lang="en-US" altLang="zh-CN" dirty="0"/>
+              <a:t>()</a:t>
+            </a:r>
+          </a:p>
+          <a:p>
+            <a:pPr marL="0" indent="0">
+              <a:buNone/>
+            </a:pPr>
+            <a:r>
+              <a:rPr lang="en-US" altLang="zh-CN" dirty="0"/>
+              <a:t>V	get(Object key)</a:t>
+            </a:r>
+          </a:p>
+          <a:p>
+            <a:pPr marL="0" indent="0">
+              <a:buNone/>
+            </a:pPr>
+            <a:r>
+              <a:rPr lang="en-US" altLang="zh-CN" dirty="0" err="1"/>
+              <a:t>boolean</a:t>
+            </a:r>
+            <a:r>
+              <a:rPr lang="en-US" altLang="zh-CN" dirty="0"/>
+              <a:t>	</a:t>
+            </a:r>
+            <a:r>
+              <a:rPr lang="en-US" altLang="zh-CN" dirty="0" err="1"/>
+              <a:t>isEmpty</a:t>
+            </a:r>
+            <a:r>
+              <a:rPr lang="en-US" altLang="zh-CN" dirty="0"/>
+              <a:t>()</a:t>
+            </a:r>
+          </a:p>
+          <a:p>
+            <a:pPr marL="0" indent="0">
+              <a:buNone/>
+            </a:pPr>
+            <a:r>
+              <a:rPr lang="en-US" altLang="zh-CN" dirty="0"/>
+              <a:t>Set&lt;K&gt;	</a:t>
+            </a:r>
+            <a:r>
+              <a:rPr lang="en-US" altLang="zh-CN" dirty="0" err="1"/>
+              <a:t>keySet</a:t>
+            </a:r>
+            <a:r>
+              <a:rPr lang="en-US" altLang="zh-CN" dirty="0"/>
+              <a:t>()</a:t>
+            </a:r>
+          </a:p>
+          <a:p>
+            <a:pPr marL="0" indent="0">
+              <a:buNone/>
+            </a:pPr>
+            <a:r>
+              <a:rPr lang="en-US" altLang="zh-CN" dirty="0"/>
+              <a:t>V	put(K key, V value)</a:t>
+            </a:r>
+          </a:p>
+          <a:p>
+            <a:pPr marL="0" indent="0">
+              <a:buNone/>
+            </a:pPr>
+            <a:r>
+              <a:rPr lang="en-US" altLang="zh-CN" dirty="0"/>
+              <a:t>void	</a:t>
+            </a:r>
+            <a:r>
+              <a:rPr lang="en-US" altLang="zh-CN" dirty="0" err="1"/>
+              <a:t>putAll</a:t>
+            </a:r>
+            <a:r>
+              <a:rPr lang="en-US" altLang="zh-CN" dirty="0"/>
+              <a:t>(Map&lt;? extends K,? extends V&gt; m)</a:t>
+            </a:r>
+          </a:p>
+          <a:p>
+            <a:pPr marL="0" indent="0">
+              <a:buNone/>
+            </a:pPr>
+            <a:r>
+              <a:rPr lang="en-US" altLang="zh-CN" dirty="0"/>
+              <a:t>V	remove(Object key)</a:t>
+            </a:r>
+          </a:p>
+          <a:p>
+            <a:pPr marL="0" indent="0">
+              <a:buNone/>
+            </a:pPr>
+            <a:r>
+              <a:rPr lang="en-US" altLang="zh-CN" dirty="0" err="1"/>
+              <a:t>int</a:t>
+            </a:r>
+            <a:r>
+              <a:rPr lang="en-US" altLang="zh-CN" dirty="0"/>
+              <a:t>	size()</a:t>
+            </a:r>
+          </a:p>
+          <a:p>
+            <a:pPr marL="0" indent="0">
+              <a:buNone/>
+            </a:pPr>
+            <a:r>
+              <a:rPr lang="en-US" altLang="zh-CN" dirty="0"/>
+              <a:t>Collection&lt;V&gt;	values()</a:t>
+            </a:r>
+          </a:p>
+          <a:p>
+            <a:pPr marL="0" indent="0">
+              <a:buNone/>
+            </a:pPr>
+            <a:endParaRPr lang="zh-CN" altLang="en-US" dirty="0"/>
+          </a:p>
+        </p:txBody>
+      </p:sp>
+    </p:spTree>
+    <p:extLst>
+      <p:ext uri="{BB962C8B-B14F-4D97-AF65-F5344CB8AC3E}">
+        <p14:creationId xmlns:p14="http://schemas.microsoft.com/office/powerpoint/2010/main" val="2479594788"/>
+      </p:ext>
+    </p:extLst>
+  </p:cSld>
+  <p:clrMapOvr>
+    <a:masterClrMapping/>
+  </p:clrMapOvr>
+  <p:timing>
+    <p:tnLst>
+      <p:par>
+        <p:cTn id="1" dur="indefinite" restart="never" nodeType="tmRoot"/>
+      </p:par>
+    </p:tnLst>
+  </p:timing>
+</p:sld>
+</file>
+
+<file path=ppt/slides/slide14.xml><?xml version="1.0" encoding="utf-8"?>
+<p:sld xmlns:a="http://schemas.openxmlformats.org/drawingml/2006/main" xmlns:r="http://schemas.openxmlformats.org/officeDocument/2006/relationships" xmlns:p="http://schemas.openxmlformats.org/presentationml/2006/main">
+  <p:cSld>
+    <p:spTree>
+      <p:nvGrpSpPr>
+        <p:cNvPr id="1" name=""/>
+        <p:cNvGrpSpPr/>
+        <p:nvPr/>
+      </p:nvGrpSpPr>
+      <p:grpSpPr>
+        <a:xfrm>
+          <a:off x="0" y="0"/>
+          <a:ext cx="0" cy="0"/>
+          <a:chOff x="0" y="0"/>
+          <a:chExt cx="0" cy="0"/>
+        </a:xfrm>
+      </p:grpSpPr>
+      <p:sp>
+        <p:nvSpPr>
+          <p:cNvPr id="2" name="标题 1"/>
+          <p:cNvSpPr>
+            <a:spLocks noGrp="1"/>
+          </p:cNvSpPr>
+          <p:nvPr>
+            <p:ph type="title"/>
+          </p:nvPr>
+        </p:nvSpPr>
+        <p:spPr/>
+        <p:txBody>
+          <a:bodyPr>
+            <a:normAutofit fontScale="90000"/>
+          </a:bodyPr>
+          <a:lstStyle/>
+          <a:p>
+            <a:r>
+              <a:rPr lang="en-US" altLang="zh-CN" dirty="0" err="1"/>
+              <a:t>HashMap</a:t>
+            </a:r>
+            <a:endParaRPr lang="zh-CN" altLang="en-US" dirty="0"/>
+          </a:p>
+        </p:txBody>
+      </p:sp>
+      <p:sp>
+        <p:nvSpPr>
+          <p:cNvPr id="3" name="内容占位符 2"/>
+          <p:cNvSpPr>
+            <a:spLocks noGrp="1"/>
+          </p:cNvSpPr>
+          <p:nvPr>
+            <p:ph idx="1"/>
+          </p:nvPr>
+        </p:nvSpPr>
+        <p:spPr>
+          <a:xfrm>
+            <a:off x="457200" y="980728"/>
+            <a:ext cx="8229600" cy="5145435"/>
+          </a:xfrm>
+        </p:spPr>
+        <p:txBody>
+          <a:bodyPr>
+            <a:normAutofit fontScale="62500" lnSpcReduction="20000"/>
+          </a:bodyPr>
+          <a:lstStyle/>
+          <a:p>
+            <a:pPr marL="0" indent="0">
+              <a:buNone/>
+            </a:pPr>
+            <a:r>
+              <a:rPr lang="en-US" altLang="zh-CN" dirty="0" err="1"/>
+              <a:t>HashMap</a:t>
+            </a:r>
+            <a:r>
+              <a:rPr lang="en-US" altLang="zh-CN" dirty="0"/>
+              <a:t>&lt;Integer, String&gt; </a:t>
+            </a:r>
+            <a:r>
+              <a:rPr lang="en-US" altLang="zh-CN" dirty="0" err="1"/>
+              <a:t>hmap</a:t>
+            </a:r>
+            <a:r>
+              <a:rPr lang="en-US" altLang="zh-CN" dirty="0"/>
+              <a:t> = new </a:t>
+            </a:r>
+            <a:r>
+              <a:rPr lang="en-US" altLang="zh-CN" dirty="0" err="1"/>
+              <a:t>HashMap</a:t>
+            </a:r>
+            <a:r>
+              <a:rPr lang="en-US" altLang="zh-CN" dirty="0"/>
+              <a:t>&lt;Integer, String&gt;();</a:t>
+            </a:r>
+          </a:p>
+          <a:p>
+            <a:pPr marL="0" indent="0">
+              <a:buNone/>
+            </a:pPr>
+            <a:endParaRPr lang="en-US" altLang="zh-CN" dirty="0"/>
+          </a:p>
+          <a:p>
+            <a:pPr marL="0" indent="0">
+              <a:buNone/>
+            </a:pPr>
+            <a:r>
+              <a:rPr lang="en-US" altLang="zh-CN" dirty="0" smtClean="0"/>
+              <a:t> </a:t>
+            </a:r>
+            <a:r>
+              <a:rPr lang="en-US" altLang="zh-CN" dirty="0"/>
+              <a:t>/*Adding elements to </a:t>
+            </a:r>
+            <a:r>
+              <a:rPr lang="en-US" altLang="zh-CN" dirty="0" err="1"/>
+              <a:t>HashMap</a:t>
+            </a:r>
+            <a:r>
+              <a:rPr lang="en-US" altLang="zh-CN" dirty="0"/>
+              <a:t>*/</a:t>
+            </a:r>
+          </a:p>
+          <a:p>
+            <a:pPr marL="0" indent="0">
+              <a:buNone/>
+            </a:pPr>
+            <a:r>
+              <a:rPr lang="en-US" altLang="zh-CN" dirty="0" err="1" smtClean="0"/>
+              <a:t>hmap.put</a:t>
+            </a:r>
+            <a:r>
+              <a:rPr lang="en-US" altLang="zh-CN" dirty="0" smtClean="0"/>
+              <a:t>(12</a:t>
+            </a:r>
+            <a:r>
+              <a:rPr lang="en-US" altLang="zh-CN" dirty="0"/>
+              <a:t>, "Chaitanya");</a:t>
+            </a:r>
+          </a:p>
+          <a:p>
+            <a:pPr marL="0" indent="0">
+              <a:buNone/>
+            </a:pPr>
+            <a:r>
+              <a:rPr lang="en-US" altLang="zh-CN" dirty="0" err="1" smtClean="0"/>
+              <a:t>hmap.put</a:t>
+            </a:r>
+            <a:r>
+              <a:rPr lang="en-US" altLang="zh-CN" dirty="0" smtClean="0"/>
+              <a:t>(2</a:t>
+            </a:r>
+            <a:r>
+              <a:rPr lang="en-US" altLang="zh-CN" dirty="0"/>
+              <a:t>, "Rahul</a:t>
+            </a:r>
+            <a:r>
+              <a:rPr lang="en-US" altLang="zh-CN" dirty="0" smtClean="0"/>
+              <a:t>");</a:t>
+            </a:r>
+          </a:p>
+          <a:p>
+            <a:pPr marL="0" indent="0">
+              <a:buNone/>
+            </a:pPr>
+            <a:endParaRPr lang="en-US" altLang="zh-CN" dirty="0"/>
+          </a:p>
+          <a:p>
+            <a:pPr marL="0" indent="0">
+              <a:buNone/>
+            </a:pPr>
+            <a:r>
+              <a:rPr lang="en-US" altLang="zh-CN" dirty="0"/>
+              <a:t> Set&lt;</a:t>
+            </a:r>
+            <a:r>
+              <a:rPr lang="en-US" altLang="zh-CN" dirty="0" err="1">
+                <a:solidFill>
+                  <a:srgbClr val="C00000"/>
+                </a:solidFill>
+              </a:rPr>
+              <a:t>Map.Entry</a:t>
+            </a:r>
+            <a:r>
+              <a:rPr lang="en-US" altLang="zh-CN" dirty="0">
+                <a:solidFill>
+                  <a:srgbClr val="C00000"/>
+                </a:solidFill>
+              </a:rPr>
+              <a:t>&lt;Integer, String&gt;</a:t>
+            </a:r>
+            <a:r>
+              <a:rPr lang="en-US" altLang="zh-CN" dirty="0"/>
+              <a:t>&gt; set = </a:t>
+            </a:r>
+            <a:r>
+              <a:rPr lang="en-US" altLang="zh-CN" dirty="0" err="1"/>
+              <a:t>hmap.entrySet</a:t>
+            </a:r>
+            <a:r>
+              <a:rPr lang="en-US" altLang="zh-CN" dirty="0"/>
+              <a:t>();</a:t>
+            </a:r>
+          </a:p>
+          <a:p>
+            <a:pPr marL="0" indent="0">
+              <a:buNone/>
+            </a:pPr>
+            <a:r>
+              <a:rPr lang="en-US" altLang="zh-CN" dirty="0" smtClean="0"/>
+              <a:t>Iterator&lt;</a:t>
+            </a:r>
+            <a:r>
+              <a:rPr lang="en-US" altLang="zh-CN" dirty="0" err="1" smtClean="0"/>
+              <a:t>Map.Entry</a:t>
+            </a:r>
+            <a:r>
+              <a:rPr lang="en-US" altLang="zh-CN" dirty="0" smtClean="0"/>
+              <a:t>&lt;Integer</a:t>
+            </a:r>
+            <a:r>
+              <a:rPr lang="en-US" altLang="zh-CN" dirty="0"/>
+              <a:t>, String&gt;&gt; iterator = </a:t>
+            </a:r>
+            <a:r>
+              <a:rPr lang="en-US" altLang="zh-CN" dirty="0" err="1"/>
+              <a:t>set.iterator</a:t>
+            </a:r>
+            <a:r>
+              <a:rPr lang="en-US" altLang="zh-CN" dirty="0"/>
+              <a:t>();</a:t>
+            </a:r>
+          </a:p>
+          <a:p>
+            <a:pPr marL="0" indent="0">
+              <a:buNone/>
+            </a:pPr>
+            <a:r>
+              <a:rPr lang="en-US" altLang="zh-CN" dirty="0" smtClean="0"/>
+              <a:t>while(</a:t>
+            </a:r>
+            <a:r>
+              <a:rPr lang="en-US" altLang="zh-CN" dirty="0" err="1" smtClean="0"/>
+              <a:t>iterator.hasNext</a:t>
+            </a:r>
+            <a:r>
+              <a:rPr lang="en-US" altLang="zh-CN" dirty="0"/>
+              <a:t>()) {</a:t>
+            </a:r>
+          </a:p>
+          <a:p>
+            <a:pPr marL="0" indent="0">
+              <a:buNone/>
+            </a:pPr>
+            <a:r>
+              <a:rPr lang="en-US" altLang="zh-CN" dirty="0" smtClean="0"/>
+              <a:t>      </a:t>
+            </a:r>
+            <a:r>
+              <a:rPr lang="en-US" altLang="zh-CN" dirty="0" err="1"/>
+              <a:t>Map.Entry</a:t>
+            </a:r>
+            <a:r>
+              <a:rPr lang="en-US" altLang="zh-CN" dirty="0"/>
+              <a:t>&lt;Integer, String&gt; </a:t>
+            </a:r>
+            <a:r>
+              <a:rPr lang="en-US" altLang="zh-CN" dirty="0" err="1"/>
+              <a:t>mentry</a:t>
+            </a:r>
+            <a:r>
+              <a:rPr lang="en-US" altLang="zh-CN" dirty="0"/>
+              <a:t> = </a:t>
+            </a:r>
+            <a:r>
+              <a:rPr lang="en-US" altLang="zh-CN" dirty="0" err="1"/>
+              <a:t>iterator.next</a:t>
+            </a:r>
+            <a:r>
+              <a:rPr lang="en-US" altLang="zh-CN" dirty="0"/>
+              <a:t>();</a:t>
+            </a:r>
+          </a:p>
+          <a:p>
+            <a:pPr marL="0" indent="0">
+              <a:buNone/>
+            </a:pPr>
+            <a:r>
+              <a:rPr lang="en-US" altLang="zh-CN" dirty="0" smtClean="0"/>
+              <a:t>      </a:t>
+            </a:r>
+            <a:r>
+              <a:rPr lang="en-US" altLang="zh-CN" dirty="0" err="1"/>
+              <a:t>System.out.print</a:t>
+            </a:r>
+            <a:r>
+              <a:rPr lang="en-US" altLang="zh-CN" dirty="0"/>
+              <a:t>("key is: "+ </a:t>
+            </a:r>
+            <a:r>
+              <a:rPr lang="en-US" altLang="zh-CN" dirty="0" err="1"/>
+              <a:t>mentry.getKey</a:t>
+            </a:r>
+            <a:r>
+              <a:rPr lang="en-US" altLang="zh-CN" dirty="0"/>
+              <a:t>() + " &amp; Value is: ");</a:t>
+            </a:r>
+          </a:p>
+          <a:p>
+            <a:pPr marL="0" indent="0">
+              <a:buNone/>
+            </a:pPr>
+            <a:r>
+              <a:rPr lang="en-US" altLang="zh-CN" dirty="0" smtClean="0"/>
+              <a:t>      </a:t>
+            </a:r>
+            <a:r>
+              <a:rPr lang="en-US" altLang="zh-CN" dirty="0" err="1"/>
+              <a:t>System.out.println</a:t>
+            </a:r>
+            <a:r>
+              <a:rPr lang="en-US" altLang="zh-CN" dirty="0"/>
+              <a:t>(</a:t>
+            </a:r>
+            <a:r>
+              <a:rPr lang="en-US" altLang="zh-CN" dirty="0" err="1"/>
+              <a:t>mentry.getValue</a:t>
+            </a:r>
+            <a:r>
+              <a:rPr lang="en-US" altLang="zh-CN" dirty="0"/>
+              <a:t>());</a:t>
+            </a:r>
+          </a:p>
+          <a:p>
+            <a:pPr marL="0" indent="0">
+              <a:buNone/>
+            </a:pPr>
+            <a:r>
+              <a:rPr lang="en-US" altLang="zh-CN" dirty="0" smtClean="0"/>
+              <a:t>}</a:t>
+            </a:r>
+            <a:endParaRPr lang="zh-CN" altLang="en-US" dirty="0"/>
+          </a:p>
+        </p:txBody>
+      </p:sp>
+    </p:spTree>
+    <p:extLst>
+      <p:ext uri="{BB962C8B-B14F-4D97-AF65-F5344CB8AC3E}">
+        <p14:creationId xmlns:p14="http://schemas.microsoft.com/office/powerpoint/2010/main" val="767935657"/>
+      </p:ext>
+    </p:extLst>
+  </p:cSld>
+  <p:clrMapOvr>
+    <a:masterClrMapping/>
+  </p:clrMapOvr>
+  <p:timing>
+    <p:tnLst>
+      <p:par>
+        <p:cTn id="1" dur="indefinite" restart="never" nodeType="tmRoot"/>
+      </p:par>
+    </p:tnLst>
+  </p:timing>
+</p:sld>
+</file>
+
+<file path=ppt/slides/slide15.xml><?xml version="1.0" encoding="utf-8"?>
+<p:sld xmlns:a="http://schemas.openxmlformats.org/drawingml/2006/main" xmlns:r="http://schemas.openxmlformats.org/officeDocument/2006/relationships" xmlns:p="http://schemas.openxmlformats.org/presentationml/2006/main">
+  <p:cSld>
+    <p:spTree>
+      <p:nvGrpSpPr>
+        <p:cNvPr id="1" name=""/>
+        <p:cNvGrpSpPr/>
+        <p:nvPr/>
+      </p:nvGrpSpPr>
+      <p:grpSpPr>
+        <a:xfrm>
+          <a:off x="0" y="0"/>
+          <a:ext cx="0" cy="0"/>
+          <a:chOff x="0" y="0"/>
+          <a:chExt cx="0" cy="0"/>
+        </a:xfrm>
+      </p:grpSpPr>
+      <p:sp>
+        <p:nvSpPr>
+          <p:cNvPr id="2" name="标题 1"/>
+          <p:cNvSpPr>
+            <a:spLocks noGrp="1"/>
+          </p:cNvSpPr>
+          <p:nvPr>
+            <p:ph type="title"/>
+          </p:nvPr>
+        </p:nvSpPr>
+        <p:spPr/>
+        <p:txBody>
+          <a:bodyPr>
+            <a:normAutofit fontScale="90000"/>
+          </a:bodyPr>
+          <a:lstStyle/>
+          <a:p>
+            <a:r>
+              <a:rPr lang="en-US" altLang="zh-CN" dirty="0" err="1" smtClean="0"/>
+              <a:t>Collections.sort</a:t>
+            </a:r>
+            <a:r>
+              <a:rPr lang="en-US" altLang="zh-CN" dirty="0" smtClean="0"/>
+              <a:t>()</a:t>
+            </a:r>
+            <a:endParaRPr lang="zh-CN" altLang="en-US" dirty="0"/>
+          </a:p>
+        </p:txBody>
+      </p:sp>
+      <p:sp>
+        <p:nvSpPr>
+          <p:cNvPr id="3" name="内容占位符 2"/>
+          <p:cNvSpPr>
+            <a:spLocks noGrp="1"/>
+          </p:cNvSpPr>
+          <p:nvPr>
+            <p:ph idx="1"/>
+          </p:nvPr>
+        </p:nvSpPr>
+        <p:spPr/>
+        <p:txBody>
+          <a:bodyPr>
+            <a:normAutofit fontScale="70000" lnSpcReduction="20000"/>
+          </a:bodyPr>
+          <a:lstStyle/>
+          <a:p>
+            <a:pPr marL="0" indent="0">
+              <a:buNone/>
+            </a:pPr>
+            <a:r>
+              <a:rPr lang="en-US" altLang="zh-CN" dirty="0"/>
+              <a:t>public class Student implements </a:t>
+            </a:r>
+            <a:r>
+              <a:rPr lang="en-US" altLang="zh-CN" dirty="0">
+                <a:solidFill>
+                  <a:srgbClr val="C00000"/>
+                </a:solidFill>
+              </a:rPr>
+              <a:t>Comparable&lt;Student&gt;</a:t>
+            </a:r>
+            <a:r>
+              <a:rPr lang="en-US" altLang="zh-CN" dirty="0"/>
+              <a:t> {</a:t>
+            </a:r>
+          </a:p>
+          <a:p>
+            <a:pPr marL="0" indent="0">
+              <a:buNone/>
+            </a:pPr>
+            <a:r>
+              <a:rPr lang="en-US" altLang="zh-CN" dirty="0"/>
+              <a:t>    private String </a:t>
+            </a:r>
+            <a:r>
+              <a:rPr lang="en-US" altLang="zh-CN" dirty="0" err="1"/>
+              <a:t>studentname</a:t>
+            </a:r>
+            <a:r>
+              <a:rPr lang="en-US" altLang="zh-CN" dirty="0"/>
+              <a:t>;</a:t>
+            </a:r>
+          </a:p>
+          <a:p>
+            <a:pPr marL="0" indent="0">
+              <a:buNone/>
+            </a:pPr>
+            <a:r>
+              <a:rPr lang="en-US" altLang="zh-CN" dirty="0"/>
+              <a:t>    private </a:t>
+            </a:r>
+            <a:r>
+              <a:rPr lang="en-US" altLang="zh-CN" dirty="0" err="1"/>
+              <a:t>int</a:t>
+            </a:r>
+            <a:r>
+              <a:rPr lang="en-US" altLang="zh-CN" dirty="0"/>
+              <a:t> </a:t>
+            </a:r>
+            <a:r>
+              <a:rPr lang="en-US" altLang="zh-CN" dirty="0" err="1"/>
+              <a:t>rollno</a:t>
+            </a:r>
+            <a:r>
+              <a:rPr lang="en-US" altLang="zh-CN" dirty="0"/>
+              <a:t>;</a:t>
+            </a:r>
+          </a:p>
+          <a:p>
+            <a:pPr marL="0" indent="0">
+              <a:buNone/>
+            </a:pPr>
+            <a:r>
+              <a:rPr lang="en-US" altLang="zh-CN" dirty="0"/>
+              <a:t>    private </a:t>
+            </a:r>
+            <a:r>
+              <a:rPr lang="en-US" altLang="zh-CN" dirty="0" err="1"/>
+              <a:t>int</a:t>
+            </a:r>
+            <a:r>
+              <a:rPr lang="en-US" altLang="zh-CN" dirty="0"/>
+              <a:t> </a:t>
+            </a:r>
+            <a:r>
+              <a:rPr lang="en-US" altLang="zh-CN" dirty="0" err="1"/>
+              <a:t>studentage</a:t>
+            </a:r>
+            <a:r>
+              <a:rPr lang="en-US" altLang="zh-CN" dirty="0"/>
+              <a:t>;</a:t>
+            </a:r>
+          </a:p>
+          <a:p>
+            <a:pPr marL="0" indent="0">
+              <a:buNone/>
+            </a:pPr>
+            <a:endParaRPr lang="en-US" altLang="zh-CN" dirty="0"/>
+          </a:p>
+          <a:p>
+            <a:pPr marL="0" indent="0">
+              <a:buNone/>
+            </a:pPr>
+            <a:r>
+              <a:rPr lang="en-US" altLang="zh-CN" dirty="0"/>
+              <a:t>    ...</a:t>
+            </a:r>
+          </a:p>
+          <a:p>
+            <a:pPr marL="0" indent="0">
+              <a:buNone/>
+            </a:pPr>
+            <a:r>
+              <a:rPr lang="en-US" altLang="zh-CN" dirty="0"/>
+              <a:t>    @Override</a:t>
+            </a:r>
+          </a:p>
+          <a:p>
+            <a:pPr marL="0" indent="0">
+              <a:buNone/>
+            </a:pPr>
+            <a:r>
+              <a:rPr lang="en-US" altLang="zh-CN" dirty="0"/>
+              <a:t>    public </a:t>
+            </a:r>
+            <a:r>
+              <a:rPr lang="en-US" altLang="zh-CN" dirty="0" err="1"/>
+              <a:t>int</a:t>
+            </a:r>
+            <a:r>
+              <a:rPr lang="en-US" altLang="zh-CN" dirty="0"/>
+              <a:t> </a:t>
+            </a:r>
+            <a:r>
+              <a:rPr lang="en-US" altLang="zh-CN" dirty="0" err="1"/>
+              <a:t>compareTo</a:t>
+            </a:r>
+            <a:r>
+              <a:rPr lang="en-US" altLang="zh-CN" dirty="0"/>
+              <a:t>(Student </a:t>
+            </a:r>
+            <a:r>
+              <a:rPr lang="en-US" altLang="zh-CN" dirty="0" err="1"/>
+              <a:t>comparestu</a:t>
+            </a:r>
+            <a:r>
+              <a:rPr lang="en-US" altLang="zh-CN" dirty="0"/>
+              <a:t>) {</a:t>
+            </a:r>
+          </a:p>
+          <a:p>
+            <a:pPr marL="0" indent="0">
+              <a:buNone/>
+            </a:pPr>
+            <a:r>
+              <a:rPr lang="en-US" altLang="zh-CN" dirty="0"/>
+              <a:t>        </a:t>
+            </a:r>
+            <a:r>
+              <a:rPr lang="en-US" altLang="zh-CN" dirty="0" err="1"/>
+              <a:t>int</a:t>
+            </a:r>
+            <a:r>
+              <a:rPr lang="en-US" altLang="zh-CN" dirty="0"/>
+              <a:t> </a:t>
+            </a:r>
+            <a:r>
+              <a:rPr lang="en-US" altLang="zh-CN" dirty="0" err="1"/>
+              <a:t>compareage</a:t>
+            </a:r>
+            <a:r>
+              <a:rPr lang="en-US" altLang="zh-CN" dirty="0"/>
+              <a:t>=</a:t>
+            </a:r>
+            <a:r>
+              <a:rPr lang="en-US" altLang="zh-CN" dirty="0" err="1"/>
+              <a:t>comparestu.getStudentage</a:t>
+            </a:r>
+            <a:r>
+              <a:rPr lang="en-US" altLang="zh-CN" dirty="0"/>
+              <a:t>();</a:t>
+            </a:r>
+          </a:p>
+          <a:p>
+            <a:pPr marL="0" indent="0">
+              <a:buNone/>
+            </a:pPr>
+            <a:r>
+              <a:rPr lang="en-US" altLang="zh-CN" dirty="0"/>
+              <a:t>        return </a:t>
+            </a:r>
+            <a:r>
+              <a:rPr lang="en-US" altLang="zh-CN" dirty="0" err="1"/>
+              <a:t>this.studentage-compareage</a:t>
+            </a:r>
+            <a:r>
+              <a:rPr lang="en-US" altLang="zh-CN" dirty="0"/>
+              <a:t>;</a:t>
+            </a:r>
+          </a:p>
+          <a:p>
+            <a:pPr marL="0" indent="0">
+              <a:buNone/>
+            </a:pPr>
+            <a:r>
+              <a:rPr lang="en-US" altLang="zh-CN" dirty="0"/>
+              <a:t>    }</a:t>
+            </a:r>
+          </a:p>
+          <a:p>
+            <a:pPr marL="0" indent="0">
+              <a:buNone/>
+            </a:pPr>
+            <a:r>
+              <a:rPr lang="en-US" altLang="zh-CN" dirty="0"/>
+              <a:t>}</a:t>
+            </a:r>
+            <a:endParaRPr lang="zh-CN" altLang="en-US" dirty="0"/>
+          </a:p>
+        </p:txBody>
+      </p:sp>
+    </p:spTree>
+    <p:extLst>
+      <p:ext uri="{BB962C8B-B14F-4D97-AF65-F5344CB8AC3E}">
+        <p14:creationId xmlns:p14="http://schemas.microsoft.com/office/powerpoint/2010/main" val="111410931"/>
+      </p:ext>
+    </p:extLst>
+  </p:cSld>
+  <p:clrMapOvr>
+    <a:masterClrMapping/>
+  </p:clrMapOvr>
+  <p:timing>
+    <p:tnLst>
+      <p:par>
+        <p:cTn id="1" dur="indefinite" restart="never" nodeType="tmRoot"/>
+      </p:par>
+    </p:tnLst>
+  </p:timing>
+</p:sld>
+</file>
+
+<file path=ppt/slides/slide16.xml><?xml version="1.0" encoding="utf-8"?>
+<p:sld xmlns:a="http://schemas.openxmlformats.org/drawingml/2006/main" xmlns:r="http://schemas.openxmlformats.org/officeDocument/2006/relationships" xmlns:p="http://schemas.openxmlformats.org/presentationml/2006/main">
+  <p:cSld>
+    <p:spTree>
+      <p:nvGrpSpPr>
+        <p:cNvPr id="1" name=""/>
+        <p:cNvGrpSpPr/>
+        <p:nvPr/>
+      </p:nvGrpSpPr>
+      <p:grpSpPr>
+        <a:xfrm>
+          <a:off x="0" y="0"/>
+          <a:ext cx="0" cy="0"/>
+          <a:chOff x="0" y="0"/>
+          <a:chExt cx="0" cy="0"/>
+        </a:xfrm>
+      </p:grpSpPr>
+      <p:sp>
+        <p:nvSpPr>
+          <p:cNvPr id="2" name="标题 1"/>
+          <p:cNvSpPr>
+            <a:spLocks noGrp="1"/>
+          </p:cNvSpPr>
+          <p:nvPr>
+            <p:ph type="title"/>
+          </p:nvPr>
+        </p:nvSpPr>
+        <p:spPr/>
+        <p:txBody>
+          <a:bodyPr>
+            <a:normAutofit fontScale="90000"/>
+          </a:bodyPr>
+          <a:lstStyle/>
+          <a:p>
+            <a:r>
+              <a:rPr lang="en-US" altLang="zh-CN" dirty="0" err="1"/>
+              <a:t>Collections.sort</a:t>
+            </a:r>
+            <a:r>
+              <a:rPr lang="en-US" altLang="zh-CN" dirty="0"/>
+              <a:t>()</a:t>
+            </a:r>
+            <a:endParaRPr lang="zh-CN" altLang="en-US" dirty="0"/>
+          </a:p>
+        </p:txBody>
+      </p:sp>
+      <p:sp>
+        <p:nvSpPr>
+          <p:cNvPr id="3" name="内容占位符 2"/>
+          <p:cNvSpPr>
+            <a:spLocks noGrp="1"/>
+          </p:cNvSpPr>
+          <p:nvPr>
+            <p:ph idx="1"/>
+          </p:nvPr>
+        </p:nvSpPr>
+        <p:spPr/>
+        <p:txBody>
+          <a:bodyPr>
+            <a:normAutofit/>
+          </a:bodyPr>
+          <a:lstStyle/>
+          <a:p>
+            <a:pPr marL="0" indent="0">
+              <a:buNone/>
+            </a:pPr>
+            <a:r>
+              <a:rPr lang="en-US" altLang="zh-CN" sz="2800" dirty="0" err="1"/>
+              <a:t>ArrayList</a:t>
+            </a:r>
+            <a:r>
+              <a:rPr lang="en-US" altLang="zh-CN" sz="2800" dirty="0"/>
+              <a:t>&lt;Student&gt; </a:t>
+            </a:r>
+            <a:r>
+              <a:rPr lang="en-US" altLang="zh-CN" sz="2800" dirty="0" err="1"/>
+              <a:t>arraylist</a:t>
+            </a:r>
+            <a:r>
+              <a:rPr lang="en-US" altLang="zh-CN" sz="2800" dirty="0"/>
+              <a:t> = new </a:t>
+            </a:r>
+            <a:r>
+              <a:rPr lang="en-US" altLang="zh-CN" sz="2800" dirty="0" err="1"/>
+              <a:t>ArrayList</a:t>
+            </a:r>
+            <a:r>
+              <a:rPr lang="en-US" altLang="zh-CN" sz="2800" dirty="0"/>
+              <a:t>&lt;Student&gt;();</a:t>
+            </a:r>
+          </a:p>
+          <a:p>
+            <a:pPr marL="0" indent="0">
+              <a:buNone/>
+            </a:pPr>
+            <a:r>
+              <a:rPr lang="en-US" altLang="zh-CN" sz="2800" dirty="0" err="1"/>
+              <a:t>arraylist.add</a:t>
+            </a:r>
+            <a:r>
+              <a:rPr lang="en-US" altLang="zh-CN" sz="2800" dirty="0"/>
+              <a:t>(new Student(223, "Chaitanya", 26));</a:t>
+            </a:r>
+          </a:p>
+          <a:p>
+            <a:pPr marL="0" indent="0">
+              <a:buNone/>
+            </a:pPr>
+            <a:r>
+              <a:rPr lang="en-US" altLang="zh-CN" sz="2800" dirty="0" err="1"/>
+              <a:t>arraylist.add</a:t>
+            </a:r>
+            <a:r>
+              <a:rPr lang="en-US" altLang="zh-CN" sz="2800" dirty="0"/>
+              <a:t>(new Student(245, "Rahul", 24));</a:t>
+            </a:r>
+          </a:p>
+          <a:p>
+            <a:pPr marL="0" indent="0">
+              <a:buNone/>
+            </a:pPr>
+            <a:r>
+              <a:rPr lang="en-US" altLang="zh-CN" sz="2800" dirty="0" err="1"/>
+              <a:t>arraylist.add</a:t>
+            </a:r>
+            <a:r>
+              <a:rPr lang="en-US" altLang="zh-CN" sz="2800" dirty="0"/>
+              <a:t>(new Student(209, "</a:t>
+            </a:r>
+            <a:r>
+              <a:rPr lang="en-US" altLang="zh-CN" sz="2800" dirty="0" err="1"/>
+              <a:t>Ajeet</a:t>
+            </a:r>
+            <a:r>
+              <a:rPr lang="en-US" altLang="zh-CN" sz="2800" dirty="0"/>
+              <a:t>", 32));</a:t>
+            </a:r>
+          </a:p>
+          <a:p>
+            <a:pPr marL="0" indent="0">
+              <a:buNone/>
+            </a:pPr>
+            <a:endParaRPr lang="en-US" altLang="zh-CN" sz="2800" dirty="0"/>
+          </a:p>
+          <a:p>
+            <a:pPr marL="0" indent="0">
+              <a:buNone/>
+            </a:pPr>
+            <a:r>
+              <a:rPr lang="en-US" altLang="zh-CN" sz="2800" dirty="0" err="1">
+                <a:solidFill>
+                  <a:srgbClr val="C00000"/>
+                </a:solidFill>
+              </a:rPr>
+              <a:t>Collections.sort</a:t>
+            </a:r>
+            <a:r>
+              <a:rPr lang="en-US" altLang="zh-CN" sz="2800" dirty="0">
+                <a:solidFill>
+                  <a:srgbClr val="C00000"/>
+                </a:solidFill>
+              </a:rPr>
+              <a:t>(</a:t>
+            </a:r>
+            <a:r>
+              <a:rPr lang="en-US" altLang="zh-CN" sz="2800" dirty="0" err="1">
+                <a:solidFill>
+                  <a:srgbClr val="C00000"/>
+                </a:solidFill>
+              </a:rPr>
+              <a:t>arraylist</a:t>
+            </a:r>
+            <a:r>
+              <a:rPr lang="en-US" altLang="zh-CN" sz="2800" dirty="0">
+                <a:solidFill>
+                  <a:srgbClr val="C00000"/>
+                </a:solidFill>
+              </a:rPr>
+              <a:t>);</a:t>
+            </a:r>
+            <a:endParaRPr lang="zh-CN" altLang="en-US" sz="2800" dirty="0">
+              <a:solidFill>
+                <a:srgbClr val="C00000"/>
+              </a:solidFill>
+            </a:endParaRPr>
+          </a:p>
+        </p:txBody>
+      </p:sp>
+    </p:spTree>
+    <p:extLst>
+      <p:ext uri="{BB962C8B-B14F-4D97-AF65-F5344CB8AC3E}">
+        <p14:creationId xmlns:p14="http://schemas.microsoft.com/office/powerpoint/2010/main" val="4094686058"/>
+      </p:ext>
+    </p:extLst>
+  </p:cSld>
+  <p:clrMapOvr>
+    <a:masterClrMapping/>
+  </p:clrMapOvr>
+  <p:timing>
+    <p:tnLst>
+      <p:par>
+        <p:cTn id="1" dur="indefinite" restart="never" nodeType="tmRoot"/>
+      </p:par>
+    </p:tnLst>
+  </p:timing>
+</p:sld>
+</file>
+
+<file path=ppt/slides/slide17.xml><?xml version="1.0" encoding="utf-8"?>
+<p:sld xmlns:a="http://schemas.openxmlformats.org/drawingml/2006/main" xmlns:r="http://schemas.openxmlformats.org/officeDocument/2006/relationships" xmlns:p="http://schemas.openxmlformats.org/presentationml/2006/main">
+  <p:cSld>
+    <p:spTree>
+      <p:nvGrpSpPr>
+        <p:cNvPr id="1" name=""/>
+        <p:cNvGrpSpPr/>
+        <p:nvPr/>
+      </p:nvGrpSpPr>
+      <p:grpSpPr>
+        <a:xfrm>
+          <a:off x="0" y="0"/>
+          <a:ext cx="0" cy="0"/>
+          <a:chOff x="0" y="0"/>
+          <a:chExt cx="0" cy="0"/>
+        </a:xfrm>
+      </p:grpSpPr>
+    </p:spTree>
+    <p:extLst>
+      <p:ext uri="{BB962C8B-B14F-4D97-AF65-F5344CB8AC3E}">
+        <p14:creationId xmlns:p14="http://schemas.microsoft.com/office/powerpoint/2010/main" val="3418871224"/>
+      </p:ext>
+    </p:extLst>
+  </p:cSld>
+  <p:clrMapOvr>
+    <a:masterClrMapping/>
+  </p:clrMapOvr>
+  <p:timing>
+    <p:tnLst>
+      <p:par>
+        <p:cTn id="1" dur="indefinite" restart="never" nodeType="tmRoot"/>
+      </p:par>
+    </p:tnLst>
+  </p:timing>
+</p:sld>
+</file>
+
+<file path=ppt/slides/slide18.xml><?xml version="1.0" encoding="utf-8"?>
+<p:sld xmlns:a="http://schemas.openxmlformats.org/drawingml/2006/main" xmlns:r="http://schemas.openxmlformats.org/officeDocument/2006/relationships" xmlns:p="http://schemas.openxmlformats.org/presentationml/2006/main">
+  <p:cSld>
+    <p:spTree>
+      <p:nvGrpSpPr>
+        <p:cNvPr id="1" name=""/>
+        <p:cNvGrpSpPr/>
+        <p:nvPr/>
+      </p:nvGrpSpPr>
+      <p:grpSpPr>
+        <a:xfrm>
+          <a:off x="0" y="0"/>
+          <a:ext cx="0" cy="0"/>
+          <a:chOff x="0" y="0"/>
+          <a:chExt cx="0" cy="0"/>
+        </a:xfrm>
+      </p:grpSpPr>
+    </p:spTree>
+    <p:extLst>
+      <p:ext uri="{BB962C8B-B14F-4D97-AF65-F5344CB8AC3E}">
+        <p14:creationId xmlns:p14="http://schemas.microsoft.com/office/powerpoint/2010/main" val="1536160576"/>
       </p:ext>
     </p:extLst>
   </p:cSld>
@@ -40040,7 +41763,25 @@
           </a:bodyPr>
           <a:lstStyle/>
           <a:p>
-            <a:endParaRPr lang="zh-CN" altLang="en-US"/>
+            <a:r>
+              <a:rPr lang="en-US" altLang="zh-CN" b="1" dirty="0" err="1">
+                <a:effectLst/>
+              </a:rPr>
+              <a:t>Iterable</a:t>
+            </a:r>
+            <a:r>
+              <a:rPr lang="en-US" altLang="zh-CN" b="1" dirty="0">
+                <a:effectLst/>
+              </a:rPr>
+              <a:t>&lt;T</a:t>
+            </a:r>
+            <a:r>
+              <a:rPr lang="en-US" altLang="zh-CN" b="1" dirty="0" smtClean="0">
+                <a:effectLst/>
+              </a:rPr>
+              <a:t>&gt;</a:t>
+            </a:r>
+            <a:endParaRPr lang="zh-CN" altLang="en-US" dirty="0"/>
           </a:p>
         </p:txBody>
       </p:sp>
@@ -40054,15 +41795,232 @@
             <p:ph idx="1"/>
           </p:nvPr>
         </p:nvSpPr>
-        <p:spPr/>
+        <p:spPr>
+          <a:xfrm>
+            <a:off x="457200" y="1052736"/>
+            <a:ext cx="8229600" cy="5073427"/>
+          </a:xfrm>
+        </p:spPr>
         <p:txBody>
-          <a:bodyPr/>
+          <a:bodyPr>
+            <a:normAutofit fontScale="92500" lnSpcReduction="20000"/>
+          </a:bodyPr>
           <a:lstStyle/>
           <a:p>
-            <a:endParaRPr lang="zh-CN" altLang="en-US"/>
+            <a:r>
+              <a:rPr lang="zh-CN" altLang="en-US" dirty="0" smtClean="0"/>
+              <a:t>一个类，如果实现了</a:t>
+            </a:r>
+            <a:r>
+              <a:rPr lang="en-US" altLang="zh-CN" dirty="0" err="1" smtClean="0"/>
+              <a:t>Iterable</a:t>
+            </a:r>
+            <a:r>
+              <a:rPr lang="en-US" altLang="zh-CN" dirty="0" smtClean="0"/>
+              <a:t>&lt;T&gt;</a:t>
+            </a:r>
+            <a:r>
+              <a:rPr lang="zh-CN" altLang="en-US" dirty="0" smtClean="0"/>
+              <a:t>接口，就可以用于</a:t>
+            </a:r>
+            <a:r>
+              <a:rPr lang="en-US" altLang="zh-CN" dirty="0" smtClean="0"/>
+              <a:t>for</a:t>
+            </a:r>
+            <a:r>
+              <a:rPr lang="zh-CN" altLang="en-US" dirty="0" smtClean="0"/>
+              <a:t>循环中</a:t>
+            </a:r>
+            <a:endParaRPr lang="en-US" altLang="zh-CN" dirty="0" smtClean="0"/>
+          </a:p>
+          <a:p>
+            <a:pPr marL="0" indent="0">
+              <a:buNone/>
+            </a:pPr>
+            <a:r>
+              <a:rPr lang="en-US" altLang="zh-CN" dirty="0" smtClean="0"/>
+              <a:t>List&lt;</a:t>
+            </a:r>
+            <a:r>
+              <a:rPr lang="en-US" altLang="zh-CN" dirty="0" err="1" smtClean="0"/>
+              <a:t>Strirng</a:t>
+            </a:r>
+            <a:r>
+              <a:rPr lang="en-US" altLang="zh-CN" dirty="0" smtClean="0"/>
+              <a:t>&gt; </a:t>
+            </a:r>
+            <a:r>
+              <a:rPr lang="en-US" altLang="zh-CN" dirty="0"/>
+              <a:t>list = new </a:t>
+            </a:r>
+            <a:r>
+              <a:rPr lang="en-US" altLang="zh-CN" dirty="0" err="1" smtClean="0"/>
+              <a:t>ArrayList</a:t>
+            </a:r>
+            <a:r>
+              <a:rPr lang="en-US" altLang="zh-CN" dirty="0" smtClean="0"/>
+              <a:t>&lt;String();</a:t>
+            </a:r>
+            <a:endParaRPr lang="en-US" altLang="zh-CN" dirty="0"/>
+          </a:p>
+          <a:p>
+            <a:pPr marL="0" indent="0">
+              <a:buNone/>
+            </a:pPr>
+            <a:r>
+              <a:rPr lang="en-US" altLang="zh-CN" dirty="0"/>
+              <a:t>.....</a:t>
+            </a:r>
+          </a:p>
+          <a:p>
+            <a:pPr marL="0" indent="0">
+              <a:buNone/>
+            </a:pPr>
+            <a:r>
+              <a:rPr lang="en-US" altLang="zh-CN" dirty="0" smtClean="0"/>
+              <a:t>for(String s </a:t>
+            </a:r>
+            <a:r>
+              <a:rPr lang="en-US" altLang="zh-CN" dirty="0"/>
+              <a:t>: list){</a:t>
+            </a:r>
+          </a:p>
+          <a:p>
+            <a:pPr marL="0" indent="0">
+              <a:buNone/>
+            </a:pPr>
+            <a:r>
+              <a:rPr lang="en-US" altLang="zh-CN" dirty="0"/>
+              <a:t>    //do </a:t>
+            </a:r>
+            <a:r>
+              <a:rPr lang="en-US" altLang="zh-CN" dirty="0" smtClean="0"/>
+              <a:t>something;    </a:t>
+            </a:r>
+            <a:endParaRPr lang="en-US" altLang="zh-CN" dirty="0"/>
+          </a:p>
+          <a:p>
+            <a:pPr marL="0" indent="0">
+              <a:buNone/>
+            </a:pPr>
+            <a:r>
+              <a:rPr lang="en-US" altLang="zh-CN" dirty="0" smtClean="0"/>
+              <a:t>}</a:t>
+            </a:r>
+          </a:p>
+          <a:p>
+            <a:r>
+              <a:rPr lang="en-US" altLang="zh-CN" dirty="0" err="1" smtClean="0"/>
+              <a:t>Iterable</a:t>
+            </a:r>
+            <a:r>
+              <a:rPr lang="en-US" altLang="zh-CN" dirty="0" smtClean="0"/>
+              <a:t>&lt;T&gt;</a:t>
+            </a:r>
+            <a:r>
+              <a:rPr lang="zh-CN" altLang="en-US" dirty="0" smtClean="0"/>
+              <a:t>只有一个方法</a:t>
+            </a:r>
+            <a:endParaRPr lang="en-US" altLang="zh-CN" dirty="0" smtClean="0"/>
+          </a:p>
+          <a:p>
+            <a:pPr marL="0" indent="0">
+              <a:buNone/>
+            </a:pPr>
+            <a:r>
+              <a:rPr lang="en-US" altLang="zh-CN" dirty="0"/>
+              <a:t>public interface </a:t>
+            </a:r>
+            <a:r>
+              <a:rPr lang="en-US" altLang="zh-CN" dirty="0" err="1"/>
+              <a:t>Iterable</a:t>
+            </a:r>
+            <a:r>
+              <a:rPr lang="en-US" altLang="zh-CN" dirty="0"/>
+              <a:t>&lt;T&gt; {</a:t>
+            </a:r>
+          </a:p>
+          <a:p>
+            <a:pPr marL="0" indent="0">
+              <a:buNone/>
+            </a:pPr>
+            <a:r>
+              <a:rPr lang="en-US" altLang="zh-CN" dirty="0"/>
+              <a:t>  public Iterator&lt;T&gt; iterator();    </a:t>
+            </a:r>
+          </a:p>
+          <a:p>
+            <a:pPr marL="0" indent="0">
+              <a:buNone/>
+            </a:pPr>
+            <a:r>
+              <a:rPr lang="en-US" altLang="zh-CN" dirty="0"/>
+              <a:t>}</a:t>
+            </a:r>
+            <a:endParaRPr lang="en-US" altLang="zh-CN" dirty="0" smtClean="0"/>
+          </a:p>
+          <a:p>
+            <a:pPr marL="0" indent="0">
+              <a:buNone/>
+            </a:pPr>
+            <a:endParaRPr lang="en-US" altLang="zh-CN" dirty="0"/>
           </a:p>
         </p:txBody>
       </p:sp>
+      <p:pic>
+        <p:nvPicPr>
+          <p:cNvPr id="1027" name="Picture 3"/>
+          <p:cNvPicPr>
+            <a:picLocks noChangeAspect="1" noChangeArrowheads="1"/>
+          </p:cNvPicPr>
+          <p:nvPr/>
+        </p:nvPicPr>
+        <p:blipFill>
+          <a:blip r:embed="rId2">
+            <a:extLst>
+              <a:ext uri="{28A0092B-C50C-407E-A947-70E740481C1C}">
+                <a14:useLocalDpi xmlns:a14="http://schemas.microsoft.com/office/drawing/2010/main" val="0"/>
+              </a:ext>
+            </a:extLst>
+          </a:blip>
+          <a:srcRect/>
+          <a:stretch>
+            <a:fillRect/>
+          </a:stretch>
+        </p:blipFill>
+        <p:spPr bwMode="auto">
+          <a:xfrm>
+            <a:off x="6847142" y="3429000"/>
+            <a:ext cx="1669023" cy="2463155"/>
+          </a:xfrm>
+          <a:prstGeom prst="rect">
+            <a:avLst/>
+          </a:prstGeom>
+          <a:noFill/>
+          <a:ln>
+            <a:noFill/>
+          </a:ln>
+          <a:extLst>
+            <a:ext uri="{909E8E84-426E-40DD-AFC4-6F175D3DCCD1}">
+              <a14:hiddenFill xmlns:a14="http://schemas.microsoft.com/office/drawing/2010/main">
+                <a:solidFill>
+                  <a:schemeClr val="accent1"/>
+                </a:solidFill>
+              </a14:hiddenFill>
+            </a:ext>
+            <a:ext uri="{91240B29-F687-4F45-9708-019B960494DF}">
+              <a14:hiddenLine xmlns:a14="http://schemas.microsoft.com/office/drawing/2010/main" w="9525">
+                <a:solidFill>
+                  <a:schemeClr val="tx1"/>
+                </a:solidFill>
+                <a:miter lim="800000"/>
+                <a:headEnd/>
+                <a:tailEnd/>
+              </a14:hiddenLine>
+            </a:ext>
+          </a:extLst>
+        </p:spPr>
+      </p:pic>
     </p:spTree>
     <p:extLst>
       <p:ext uri="{BB962C8B-B14F-4D97-AF65-F5344CB8AC3E}">
@@ -40100,10 +42058,232 @@
           <a:chExt cx="0" cy="0"/>
         </a:xfrm>
       </p:grpSpPr>
+      <p:sp>
+        <p:nvSpPr>
+          <p:cNvPr id="2" name="标题 1"/>
+          <p:cNvSpPr>
+            <a:spLocks noGrp="1"/>
+          </p:cNvSpPr>
+          <p:nvPr>
+            <p:ph type="title"/>
+          </p:nvPr>
+        </p:nvSpPr>
+        <p:spPr/>
+        <p:txBody>
+          <a:bodyPr>
+            <a:normAutofit fontScale="90000"/>
+          </a:bodyPr>
+          <a:lstStyle/>
+          <a:p>
+            <a:r>
+              <a:rPr lang="en-US" altLang="zh-CN" dirty="0" smtClean="0"/>
+              <a:t>Iterator&lt;T&gt;</a:t>
+            </a:r>
+            <a:endParaRPr lang="zh-CN" altLang="en-US" dirty="0"/>
+          </a:p>
+        </p:txBody>
+      </p:sp>
+      <p:sp>
+        <p:nvSpPr>
+          <p:cNvPr id="3" name="内容占位符 2"/>
+          <p:cNvSpPr>
+            <a:spLocks noGrp="1"/>
+          </p:cNvSpPr>
+          <p:nvPr>
+            <p:ph idx="1"/>
+          </p:nvPr>
+        </p:nvSpPr>
+        <p:spPr/>
+        <p:txBody>
+          <a:bodyPr>
+            <a:normAutofit fontScale="77500" lnSpcReduction="20000"/>
+          </a:bodyPr>
+          <a:lstStyle/>
+          <a:p>
+            <a:r>
+              <a:rPr lang="en-US" altLang="zh-CN" dirty="0" smtClean="0"/>
+              <a:t>Iterator&lt;T&gt;</a:t>
+            </a:r>
+            <a:r>
+              <a:rPr lang="zh-CN" altLang="en-US" dirty="0" smtClean="0"/>
+              <a:t>接</a:t>
+            </a:r>
+            <a:r>
+              <a:rPr lang="zh-CN" altLang="en-US" dirty="0"/>
+              <a:t>口里定义</a:t>
+            </a:r>
+            <a:r>
+              <a:rPr lang="zh-CN" altLang="en-US"/>
+              <a:t>了</a:t>
+            </a:r>
+            <a:r>
+              <a:rPr lang="zh-CN" altLang="en-US" smtClean="0"/>
+              <a:t>如下方法</a:t>
+            </a:r>
+            <a:r>
+              <a:rPr lang="zh-CN" altLang="en-US" dirty="0"/>
+              <a:t>：</a:t>
+            </a:r>
+          </a:p>
+          <a:p>
+            <a:pPr lvl="1"/>
+            <a:r>
+              <a:rPr lang="en-US" altLang="zh-CN" dirty="0" err="1"/>
+              <a:t>boolean</a:t>
+            </a:r>
+            <a:r>
+              <a:rPr lang="en-US" altLang="zh-CN" dirty="0"/>
+              <a:t> </a:t>
+            </a:r>
+            <a:r>
+              <a:rPr lang="en-US" altLang="zh-CN" dirty="0" err="1"/>
+              <a:t>hasNext</a:t>
+            </a:r>
+            <a:r>
+              <a:rPr lang="en-US" altLang="zh-CN" dirty="0"/>
+              <a:t>()</a:t>
+            </a:r>
+            <a:r>
+              <a:rPr lang="zh-CN" altLang="en-US" dirty="0"/>
+              <a:t>：如果被迭代的集合还元素没有被遍历，则返回</a:t>
+            </a:r>
+            <a:r>
+              <a:rPr lang="en-US" altLang="zh-CN" dirty="0"/>
+              <a:t>true</a:t>
+            </a:r>
+            <a:r>
+              <a:rPr lang="zh-CN" altLang="en-US" dirty="0"/>
+              <a:t>。</a:t>
+            </a:r>
+          </a:p>
+          <a:p>
+            <a:pPr lvl="1"/>
+            <a:r>
+              <a:rPr lang="en-US" altLang="zh-CN" dirty="0" smtClean="0"/>
+              <a:t>T next</a:t>
+            </a:r>
+            <a:r>
+              <a:rPr lang="en-US" altLang="zh-CN" dirty="0"/>
+              <a:t>()</a:t>
+            </a:r>
+            <a:r>
+              <a:rPr lang="zh-CN" altLang="en-US" dirty="0"/>
+              <a:t>：返回集合里下一个元素。</a:t>
+            </a:r>
+          </a:p>
+          <a:p>
+            <a:pPr lvl="1"/>
+            <a:r>
+              <a:rPr lang="en-US" altLang="zh-CN" dirty="0"/>
+              <a:t>void remove()?</a:t>
+            </a:r>
+            <a:r>
+              <a:rPr lang="zh-CN" altLang="en-US" dirty="0"/>
+              <a:t>：删除集合里上一次</a:t>
+            </a:r>
+            <a:r>
+              <a:rPr lang="en-US" altLang="zh-CN" dirty="0"/>
+              <a:t>next</a:t>
+            </a:r>
+            <a:r>
+              <a:rPr lang="zh-CN" altLang="en-US" dirty="0"/>
+              <a:t>方法返回的元素 </a:t>
+            </a:r>
+          </a:p>
+          <a:p>
+            <a:pPr marL="0" indent="0">
+              <a:buNone/>
+            </a:pPr>
+            <a:endParaRPr lang="en-US" altLang="zh-CN" dirty="0" smtClean="0"/>
+          </a:p>
+          <a:p>
+            <a:pPr marL="0" indent="0">
+              <a:buNone/>
+            </a:pPr>
+            <a:r>
+              <a:rPr lang="en-US" altLang="zh-CN" dirty="0" smtClean="0"/>
+              <a:t>Iterator&lt;String&gt; </a:t>
+            </a:r>
+            <a:r>
+              <a:rPr lang="en-US" altLang="zh-CN" dirty="0"/>
+              <a:t>iterator = </a:t>
+            </a:r>
+            <a:r>
+              <a:rPr lang="en-US" altLang="zh-CN" dirty="0" err="1" smtClean="0"/>
+              <a:t>list.iterator</a:t>
+            </a:r>
+            <a:r>
+              <a:rPr lang="en-US" altLang="zh-CN" dirty="0"/>
+              <a:t>();</a:t>
+            </a:r>
+          </a:p>
+          <a:p>
+            <a:pPr marL="0" indent="0">
+              <a:buNone/>
+            </a:pPr>
+            <a:r>
+              <a:rPr lang="en-US" altLang="zh-CN" dirty="0"/>
+              <a:t>while(</a:t>
+            </a:r>
+            <a:r>
+              <a:rPr lang="en-US" altLang="zh-CN" dirty="0" err="1"/>
+              <a:t>iterator.hasNext</a:t>
+            </a:r>
+            <a:r>
+              <a:rPr lang="en-US" altLang="zh-CN" dirty="0"/>
+              <a:t>()){</a:t>
+            </a:r>
+          </a:p>
+          <a:p>
+            <a:pPr marL="0" indent="0">
+              <a:buNone/>
+            </a:pPr>
+            <a:r>
+              <a:rPr lang="en-US" altLang="zh-CN" dirty="0"/>
+              <a:t>    </a:t>
+            </a:r>
+            <a:r>
+              <a:rPr lang="en-US" altLang="zh-CN" dirty="0" smtClean="0"/>
+              <a:t>String s </a:t>
+            </a:r>
+            <a:r>
+              <a:rPr lang="en-US" altLang="zh-CN" dirty="0"/>
+              <a:t>= </a:t>
+            </a:r>
+            <a:r>
+              <a:rPr lang="en-US" altLang="zh-CN" dirty="0" err="1"/>
+              <a:t>iterator.next</a:t>
+            </a:r>
+            <a:r>
+              <a:rPr lang="en-US" altLang="zh-CN" dirty="0"/>
+              <a:t>();</a:t>
+            </a:r>
+          </a:p>
+          <a:p>
+            <a:pPr marL="0" indent="0">
+              <a:buNone/>
+            </a:pPr>
+            <a:r>
+              <a:rPr lang="en-US" altLang="zh-CN" dirty="0"/>
+              <a:t>    //do something to object;    </a:t>
+            </a:r>
+          </a:p>
+          <a:p>
+            <a:pPr marL="0" indent="0">
+              <a:buNone/>
+            </a:pPr>
+            <a:r>
+              <a:rPr lang="en-US" altLang="zh-CN" dirty="0"/>
+              <a:t>}</a:t>
+            </a:r>
+            <a:endParaRPr lang="zh-CN" altLang="en-US" dirty="0"/>
+          </a:p>
+        </p:txBody>
+      </p:sp>
     </p:spTree>
     <p:extLst>
       <p:ext uri="{BB962C8B-B14F-4D97-AF65-F5344CB8AC3E}">
-        <p14:creationId xmlns:p14="http://schemas.microsoft.com/office/powerpoint/2010/main" val="3418871224"/>
+        <p14:creationId xmlns:p14="http://schemas.microsoft.com/office/powerpoint/2010/main" val="1772715293"/>
       </p:ext>
     </p:extLst>
   </p:cSld>
@@ -40137,16 +42317,1066 @@
           <a:chExt cx="0" cy="0"/>
         </a:xfrm>
       </p:grpSpPr>
+      <p:sp>
+        <p:nvSpPr>
+          <p:cNvPr id="2" name="标题 1"/>
+          <p:cNvSpPr>
+            <a:spLocks noGrp="1"/>
+          </p:cNvSpPr>
+          <p:nvPr>
+            <p:ph type="title"/>
+          </p:nvPr>
+        </p:nvSpPr>
+        <p:spPr/>
+        <p:txBody>
+          <a:bodyPr>
+            <a:normAutofit fontScale="90000"/>
+          </a:bodyPr>
+          <a:lstStyle/>
+          <a:p>
+            <a:r>
+              <a:rPr lang="en-US" altLang="zh-CN" dirty="0" smtClean="0"/>
+              <a:t>Collection&lt;E&gt;</a:t>
+            </a:r>
+            <a:endParaRPr lang="zh-CN" altLang="en-US" dirty="0"/>
+          </a:p>
+        </p:txBody>
+      </p:sp>
+      <p:sp>
+        <p:nvSpPr>
+          <p:cNvPr id="3" name="内容占位符 2"/>
+          <p:cNvSpPr>
+            <a:spLocks noGrp="1"/>
+          </p:cNvSpPr>
+          <p:nvPr>
+            <p:ph idx="1"/>
+          </p:nvPr>
+        </p:nvSpPr>
+        <p:spPr>
+          <a:xfrm>
+            <a:off x="457200" y="836712"/>
+            <a:ext cx="8229600" cy="5289451"/>
+          </a:xfrm>
+        </p:spPr>
+        <p:txBody>
+          <a:bodyPr>
+            <a:normAutofit fontScale="70000" lnSpcReduction="20000"/>
+          </a:bodyPr>
+          <a:lstStyle/>
+          <a:p>
+            <a:r>
+              <a:rPr lang="zh-CN" altLang="en-US" dirty="0" smtClean="0"/>
+              <a:t>通用操作：添加，删除，包含</a:t>
+            </a:r>
+            <a:endParaRPr lang="en-US" altLang="zh-CN" dirty="0" smtClean="0"/>
+          </a:p>
+          <a:p>
+            <a:pPr marL="0" indent="0">
+              <a:buNone/>
+            </a:pPr>
+            <a:r>
+              <a:rPr lang="en-US" altLang="zh-CN" dirty="0" err="1" smtClean="0"/>
+              <a:t>boolean</a:t>
+            </a:r>
+            <a:r>
+              <a:rPr lang="en-US" altLang="zh-CN" dirty="0"/>
+              <a:t>	add(E e)</a:t>
+            </a:r>
+          </a:p>
+          <a:p>
+            <a:pPr marL="0" indent="0">
+              <a:buNone/>
+            </a:pPr>
+            <a:r>
+              <a:rPr lang="en-US" altLang="zh-CN" dirty="0" err="1"/>
+              <a:t>boolean</a:t>
+            </a:r>
+            <a:r>
+              <a:rPr lang="en-US" altLang="zh-CN" dirty="0"/>
+              <a:t>	</a:t>
+            </a:r>
+            <a:r>
+              <a:rPr lang="en-US" altLang="zh-CN" dirty="0" err="1"/>
+              <a:t>addAll</a:t>
+            </a:r>
+            <a:r>
+              <a:rPr lang="en-US" altLang="zh-CN" dirty="0"/>
+              <a:t>(Collection&lt;? extends E&gt; c)</a:t>
+            </a:r>
+          </a:p>
+          <a:p>
+            <a:pPr marL="0" indent="0">
+              <a:buNone/>
+            </a:pPr>
+            <a:r>
+              <a:rPr lang="en-US" altLang="zh-CN" dirty="0"/>
+              <a:t>void	clear()</a:t>
+            </a:r>
+          </a:p>
+          <a:p>
+            <a:pPr marL="0" indent="0">
+              <a:buNone/>
+            </a:pPr>
+            <a:r>
+              <a:rPr lang="en-US" altLang="zh-CN" dirty="0" err="1"/>
+              <a:t>boolean</a:t>
+            </a:r>
+            <a:r>
+              <a:rPr lang="en-US" altLang="zh-CN" dirty="0"/>
+              <a:t>	contains(Object o)</a:t>
+            </a:r>
+          </a:p>
+          <a:p>
+            <a:pPr marL="0" indent="0">
+              <a:buNone/>
+            </a:pPr>
+            <a:r>
+              <a:rPr lang="en-US" altLang="zh-CN" dirty="0" err="1"/>
+              <a:t>boolean</a:t>
+            </a:r>
+            <a:r>
+              <a:rPr lang="en-US" altLang="zh-CN" dirty="0"/>
+              <a:t>	</a:t>
+            </a:r>
+            <a:r>
+              <a:rPr lang="en-US" altLang="zh-CN" dirty="0" err="1"/>
+              <a:t>containsAll</a:t>
+            </a:r>
+            <a:r>
+              <a:rPr lang="en-US" altLang="zh-CN" dirty="0"/>
+              <a:t>(Collection&lt;?&gt; c)</a:t>
+            </a:r>
+          </a:p>
+          <a:p>
+            <a:pPr marL="0" indent="0">
+              <a:buNone/>
+            </a:pPr>
+            <a:r>
+              <a:rPr lang="en-US" altLang="zh-CN" dirty="0" err="1"/>
+              <a:t>boolean</a:t>
+            </a:r>
+            <a:r>
+              <a:rPr lang="en-US" altLang="zh-CN" dirty="0"/>
+              <a:t>	equals(Object o)</a:t>
+            </a:r>
+          </a:p>
+          <a:p>
+            <a:pPr marL="0" indent="0">
+              <a:buNone/>
+            </a:pPr>
+            <a:r>
+              <a:rPr lang="en-US" altLang="zh-CN" dirty="0" err="1"/>
+              <a:t>boolean</a:t>
+            </a:r>
+            <a:r>
+              <a:rPr lang="en-US" altLang="zh-CN" dirty="0"/>
+              <a:t>	</a:t>
+            </a:r>
+            <a:r>
+              <a:rPr lang="en-US" altLang="zh-CN" dirty="0" err="1"/>
+              <a:t>isEmpty</a:t>
+            </a:r>
+            <a:r>
+              <a:rPr lang="en-US" altLang="zh-CN" dirty="0"/>
+              <a:t>()</a:t>
+            </a:r>
+          </a:p>
+          <a:p>
+            <a:pPr marL="0" indent="0">
+              <a:buNone/>
+            </a:pPr>
+            <a:r>
+              <a:rPr lang="en-US" altLang="zh-CN" dirty="0"/>
+              <a:t>Iterator&lt;E&gt;	iterator()</a:t>
+            </a:r>
+          </a:p>
+          <a:p>
+            <a:pPr marL="0" indent="0">
+              <a:buNone/>
+            </a:pPr>
+            <a:r>
+              <a:rPr lang="en-US" altLang="zh-CN" dirty="0" err="1"/>
+              <a:t>boolean</a:t>
+            </a:r>
+            <a:r>
+              <a:rPr lang="en-US" altLang="zh-CN" dirty="0"/>
+              <a:t>	remove(Object o)</a:t>
+            </a:r>
+          </a:p>
+          <a:p>
+            <a:pPr marL="0" indent="0">
+              <a:buNone/>
+            </a:pPr>
+            <a:r>
+              <a:rPr lang="en-US" altLang="zh-CN" dirty="0" err="1"/>
+              <a:t>boolean</a:t>
+            </a:r>
+            <a:r>
+              <a:rPr lang="en-US" altLang="zh-CN" dirty="0"/>
+              <a:t>	</a:t>
+            </a:r>
+            <a:r>
+              <a:rPr lang="en-US" altLang="zh-CN" dirty="0" err="1"/>
+              <a:t>removeAll</a:t>
+            </a:r>
+            <a:r>
+              <a:rPr lang="en-US" altLang="zh-CN" dirty="0"/>
+              <a:t>(Collection&lt;?&gt; c)</a:t>
+            </a:r>
+          </a:p>
+          <a:p>
+            <a:pPr marL="0" indent="0">
+              <a:buNone/>
+            </a:pPr>
+            <a:r>
+              <a:rPr lang="en-US" altLang="zh-CN" dirty="0" err="1"/>
+              <a:t>int</a:t>
+            </a:r>
+            <a:r>
+              <a:rPr lang="en-US" altLang="zh-CN" dirty="0"/>
+              <a:t>	size()</a:t>
+            </a:r>
+          </a:p>
+          <a:p>
+            <a:pPr marL="0" indent="0">
+              <a:buNone/>
+            </a:pPr>
+            <a:r>
+              <a:rPr lang="en-US" altLang="zh-CN" dirty="0"/>
+              <a:t>Object[]	</a:t>
+            </a:r>
+            <a:r>
+              <a:rPr lang="en-US" altLang="zh-CN" dirty="0" err="1"/>
+              <a:t>toArray</a:t>
+            </a:r>
+            <a:r>
+              <a:rPr lang="en-US" altLang="zh-CN" dirty="0"/>
+              <a:t>()</a:t>
+            </a:r>
+          </a:p>
+          <a:p>
+            <a:pPr marL="0" indent="0">
+              <a:buNone/>
+            </a:pPr>
+            <a:r>
+              <a:rPr lang="en-US" altLang="zh-CN" dirty="0"/>
+              <a:t>&lt;T&gt; T[]	</a:t>
+            </a:r>
+            <a:r>
+              <a:rPr lang="en-US" altLang="zh-CN" dirty="0" err="1"/>
+              <a:t>toArray</a:t>
+            </a:r>
+            <a:r>
+              <a:rPr lang="en-US" altLang="zh-CN" dirty="0"/>
+              <a:t>(T[] a)</a:t>
+            </a:r>
+          </a:p>
+          <a:p>
+            <a:pPr marL="0" indent="0">
+              <a:buNone/>
+            </a:pPr>
+            <a:endParaRPr lang="zh-CN" altLang="en-US" dirty="0"/>
+          </a:p>
+        </p:txBody>
+      </p:sp>
     </p:spTree>
     <p:extLst>
       <p:ext uri="{BB962C8B-B14F-4D97-AF65-F5344CB8AC3E}">
-        <p14:creationId xmlns:p14="http://schemas.microsoft.com/office/powerpoint/2010/main" val="1536160576"/>
+        <p14:creationId xmlns:p14="http://schemas.microsoft.com/office/powerpoint/2010/main" val="4033693735"/>
       </p:ext>
     </p:extLst>
   </p:cSld>
   <p:clrMapOvr>
     <a:masterClrMapping/>
   </p:clrMapOvr>
+  <p:timing>
+    <p:tnLst>
+      <p:par>
+        <p:cTn id="1" dur="indefinite" restart="never" nodeType="tmRoot"/>
+      </p:par>
+    </p:tnLst>
+  </p:timing>
+</p:sld>
+</file>
+
+<file path=ppt/slides/slide7.xml><?xml version="1.0" encoding="utf-8"?>
+<p:sld xmlns:a="http://schemas.openxmlformats.org/drawingml/2006/main" xmlns:r="http://schemas.openxmlformats.org/officeDocument/2006/relationships" xmlns:p="http://schemas.openxmlformats.org/presentationml/2006/main">
+  <p:cSld>
+    <p:spTree>
+      <p:nvGrpSpPr>
+        <p:cNvPr id="1" name=""/>
+        <p:cNvGrpSpPr/>
+        <p:nvPr/>
+      </p:nvGrpSpPr>
+      <p:grpSpPr>
+        <a:xfrm>
+          <a:off x="0" y="0"/>
+          <a:ext cx="0" cy="0"/>
+          <a:chOff x="0" y="0"/>
+          <a:chExt cx="0" cy="0"/>
+        </a:xfrm>
+      </p:grpSpPr>
+      <p:sp>
+        <p:nvSpPr>
+          <p:cNvPr id="2" name="标题 1"/>
+          <p:cNvSpPr>
+            <a:spLocks noGrp="1"/>
+          </p:cNvSpPr>
+          <p:nvPr>
+            <p:ph type="title"/>
+          </p:nvPr>
+        </p:nvSpPr>
+        <p:spPr/>
+        <p:txBody>
+          <a:bodyPr>
+            <a:normAutofit fontScale="90000"/>
+          </a:bodyPr>
+          <a:lstStyle/>
+          <a:p>
+            <a:r>
+              <a:rPr lang="en-US" altLang="zh-CN" b="1" dirty="0" smtClean="0">
+                <a:effectLst/>
+              </a:rPr>
+              <a:t>List&lt;E&gt;</a:t>
+            </a:r>
+            <a:endParaRPr lang="zh-CN" altLang="en-US" dirty="0"/>
+          </a:p>
+        </p:txBody>
+      </p:sp>
+      <p:sp>
+        <p:nvSpPr>
+          <p:cNvPr id="3" name="内容占位符 2"/>
+          <p:cNvSpPr>
+            <a:spLocks noGrp="1"/>
+          </p:cNvSpPr>
+          <p:nvPr>
+            <p:ph idx="1"/>
+          </p:nvPr>
+        </p:nvSpPr>
+        <p:spPr>
+          <a:xfrm>
+            <a:off x="457200" y="1124744"/>
+            <a:ext cx="8229600" cy="5001419"/>
+          </a:xfrm>
+        </p:spPr>
+        <p:txBody>
+          <a:bodyPr>
+            <a:normAutofit/>
+          </a:bodyPr>
+          <a:lstStyle/>
+          <a:p>
+            <a:r>
+              <a:rPr lang="zh-CN" altLang="en-US" dirty="0" smtClean="0"/>
+              <a:t>特定于有位置的通用</a:t>
+            </a:r>
+            <a:r>
+              <a:rPr lang="zh-CN" altLang="en-US" dirty="0"/>
+              <a:t>操作：添加，删除，</a:t>
+            </a:r>
+            <a:r>
+              <a:rPr lang="zh-CN" altLang="en-US" dirty="0" smtClean="0"/>
+              <a:t>包含</a:t>
+            </a:r>
+            <a:endParaRPr lang="en-US" altLang="zh-CN" dirty="0" smtClean="0"/>
+          </a:p>
+          <a:p>
+            <a:pPr marL="0" indent="0">
+              <a:buNone/>
+            </a:pPr>
+            <a:r>
+              <a:rPr lang="en-US" altLang="zh-CN" sz="2400" dirty="0" smtClean="0"/>
+              <a:t>void</a:t>
+            </a:r>
+            <a:r>
+              <a:rPr lang="en-US" altLang="zh-CN" sz="2400" dirty="0"/>
+              <a:t>	add(</a:t>
+            </a:r>
+            <a:r>
+              <a:rPr lang="en-US" altLang="zh-CN" sz="2400" dirty="0" err="1"/>
+              <a:t>int</a:t>
+            </a:r>
+            <a:r>
+              <a:rPr lang="en-US" altLang="zh-CN" sz="2400" dirty="0"/>
+              <a:t> index, E element)</a:t>
+            </a:r>
+          </a:p>
+          <a:p>
+            <a:pPr marL="0" indent="0">
+              <a:buNone/>
+            </a:pPr>
+            <a:r>
+              <a:rPr lang="en-US" altLang="zh-CN" sz="2400" dirty="0" err="1"/>
+              <a:t>boolean</a:t>
+            </a:r>
+            <a:r>
+              <a:rPr lang="en-US" altLang="zh-CN" sz="2400" dirty="0"/>
+              <a:t>	</a:t>
+            </a:r>
+            <a:r>
+              <a:rPr lang="en-US" altLang="zh-CN" sz="2400" dirty="0" err="1"/>
+              <a:t>addAll</a:t>
+            </a:r>
+            <a:r>
+              <a:rPr lang="en-US" altLang="zh-CN" sz="2400" dirty="0"/>
+              <a:t>(</a:t>
+            </a:r>
+            <a:r>
+              <a:rPr lang="en-US" altLang="zh-CN" sz="2400" dirty="0" err="1"/>
+              <a:t>int</a:t>
+            </a:r>
+            <a:r>
+              <a:rPr lang="en-US" altLang="zh-CN" sz="2400" dirty="0"/>
+              <a:t> index, Collection&lt;? extends E&gt; c)</a:t>
+            </a:r>
+          </a:p>
+          <a:p>
+            <a:pPr marL="0" indent="0">
+              <a:buNone/>
+            </a:pPr>
+            <a:r>
+              <a:rPr lang="en-US" altLang="zh-CN" sz="2400" dirty="0"/>
+              <a:t>E	get(</a:t>
+            </a:r>
+            <a:r>
+              <a:rPr lang="en-US" altLang="zh-CN" sz="2400" dirty="0" err="1"/>
+              <a:t>int</a:t>
+            </a:r>
+            <a:r>
+              <a:rPr lang="en-US" altLang="zh-CN" sz="2400" dirty="0"/>
+              <a:t> index)</a:t>
+            </a:r>
+          </a:p>
+          <a:p>
+            <a:pPr marL="0" indent="0">
+              <a:buNone/>
+            </a:pPr>
+            <a:r>
+              <a:rPr lang="en-US" altLang="zh-CN" sz="2400" dirty="0" err="1"/>
+              <a:t>int</a:t>
+            </a:r>
+            <a:r>
+              <a:rPr lang="en-US" altLang="zh-CN" sz="2400" dirty="0"/>
+              <a:t>	</a:t>
+            </a:r>
+            <a:r>
+              <a:rPr lang="en-US" altLang="zh-CN" sz="2400" dirty="0" err="1"/>
+              <a:t>indexOf</a:t>
+            </a:r>
+            <a:r>
+              <a:rPr lang="en-US" altLang="zh-CN" sz="2400" dirty="0"/>
+              <a:t>(Object o)</a:t>
+            </a:r>
+          </a:p>
+          <a:p>
+            <a:pPr marL="0" indent="0">
+              <a:buNone/>
+            </a:pPr>
+            <a:r>
+              <a:rPr lang="en-US" altLang="zh-CN" sz="2400" dirty="0" err="1"/>
+              <a:t>int</a:t>
+            </a:r>
+            <a:r>
+              <a:rPr lang="en-US" altLang="zh-CN" sz="2400" dirty="0"/>
+              <a:t>	</a:t>
+            </a:r>
+            <a:r>
+              <a:rPr lang="en-US" altLang="zh-CN" sz="2400" dirty="0" err="1"/>
+              <a:t>lastIndexOf</a:t>
+            </a:r>
+            <a:r>
+              <a:rPr lang="en-US" altLang="zh-CN" sz="2400" dirty="0"/>
+              <a:t>(Object o)</a:t>
+            </a:r>
+          </a:p>
+          <a:p>
+            <a:pPr marL="0" indent="0">
+              <a:buNone/>
+            </a:pPr>
+            <a:r>
+              <a:rPr lang="en-US" altLang="zh-CN" sz="2400" dirty="0"/>
+              <a:t>E	remove(</a:t>
+            </a:r>
+            <a:r>
+              <a:rPr lang="en-US" altLang="zh-CN" sz="2400" dirty="0" err="1"/>
+              <a:t>int</a:t>
+            </a:r>
+            <a:r>
+              <a:rPr lang="en-US" altLang="zh-CN" sz="2400" dirty="0"/>
+              <a:t> index)</a:t>
+            </a:r>
+          </a:p>
+          <a:p>
+            <a:pPr marL="0" indent="0">
+              <a:buNone/>
+            </a:pPr>
+            <a:r>
+              <a:rPr lang="en-US" altLang="zh-CN" sz="2400" dirty="0"/>
+              <a:t>E	set(</a:t>
+            </a:r>
+            <a:r>
+              <a:rPr lang="en-US" altLang="zh-CN" sz="2400" dirty="0" err="1"/>
+              <a:t>int</a:t>
+            </a:r>
+            <a:r>
+              <a:rPr lang="en-US" altLang="zh-CN" sz="2400" dirty="0"/>
+              <a:t> index, E element)</a:t>
+            </a:r>
+          </a:p>
+          <a:p>
+            <a:pPr marL="0" indent="0">
+              <a:buNone/>
+            </a:pPr>
+            <a:r>
+              <a:rPr lang="en-US" altLang="zh-CN" sz="2400" dirty="0"/>
+              <a:t>List&lt;E&gt;	</a:t>
+            </a:r>
+            <a:r>
+              <a:rPr lang="en-US" altLang="zh-CN" sz="2400" dirty="0" err="1"/>
+              <a:t>subList</a:t>
+            </a:r>
+            <a:r>
+              <a:rPr lang="en-US" altLang="zh-CN" sz="2400" dirty="0"/>
+              <a:t>(</a:t>
+            </a:r>
+            <a:r>
+              <a:rPr lang="en-US" altLang="zh-CN" sz="2400" dirty="0" err="1"/>
+              <a:t>int</a:t>
+            </a:r>
+            <a:r>
+              <a:rPr lang="en-US" altLang="zh-CN" sz="2400" dirty="0"/>
+              <a:t> </a:t>
+            </a:r>
+            <a:r>
+              <a:rPr lang="en-US" altLang="zh-CN" sz="2400" dirty="0" err="1"/>
+              <a:t>fromIndex</a:t>
+            </a:r>
+            <a:r>
+              <a:rPr lang="en-US" altLang="zh-CN" sz="2400" dirty="0"/>
+              <a:t>, </a:t>
+            </a:r>
+            <a:r>
+              <a:rPr lang="en-US" altLang="zh-CN" sz="2400" dirty="0" err="1"/>
+              <a:t>int</a:t>
+            </a:r>
+            <a:r>
+              <a:rPr lang="en-US" altLang="zh-CN" sz="2400" dirty="0"/>
+              <a:t> </a:t>
+            </a:r>
+            <a:r>
+              <a:rPr lang="en-US" altLang="zh-CN" sz="2400" dirty="0" err="1"/>
+              <a:t>toIndex</a:t>
+            </a:r>
+            <a:r>
+              <a:rPr lang="en-US" altLang="zh-CN" sz="2400" dirty="0"/>
+              <a:t>)</a:t>
+            </a:r>
+          </a:p>
+          <a:p>
+            <a:pPr marL="0" indent="0">
+              <a:buNone/>
+            </a:pPr>
+            <a:endParaRPr lang="zh-CN" altLang="en-US" dirty="0"/>
+          </a:p>
+        </p:txBody>
+      </p:sp>
+    </p:spTree>
+    <p:extLst>
+      <p:ext uri="{BB962C8B-B14F-4D97-AF65-F5344CB8AC3E}">
+        <p14:creationId xmlns:p14="http://schemas.microsoft.com/office/powerpoint/2010/main" val="4256075154"/>
+      </p:ext>
+    </p:extLst>
+  </p:cSld>
+  <p:clrMapOvr>
+    <a:masterClrMapping/>
+  </p:clrMapOvr>
+  <p:timing>
+    <p:tnLst>
+      <p:par>
+        <p:cTn id="1" dur="indefinite" restart="never" nodeType="tmRoot"/>
+      </p:par>
+    </p:tnLst>
+  </p:timing>
+</p:sld>
+</file>
+
+<file path=ppt/slides/slide8.xml><?xml version="1.0" encoding="utf-8"?>
+<p:sld xmlns:a="http://schemas.openxmlformats.org/drawingml/2006/main" xmlns:r="http://schemas.openxmlformats.org/officeDocument/2006/relationships" xmlns:p="http://schemas.openxmlformats.org/presentationml/2006/main">
+  <p:cSld>
+    <p:spTree>
+      <p:nvGrpSpPr>
+        <p:cNvPr id="1" name=""/>
+        <p:cNvGrpSpPr/>
+        <p:nvPr/>
+      </p:nvGrpSpPr>
+      <p:grpSpPr>
+        <a:xfrm>
+          <a:off x="0" y="0"/>
+          <a:ext cx="0" cy="0"/>
+          <a:chOff x="0" y="0"/>
+          <a:chExt cx="0" cy="0"/>
+        </a:xfrm>
+      </p:grpSpPr>
+      <p:sp>
+        <p:nvSpPr>
+          <p:cNvPr id="2" name="标题 1"/>
+          <p:cNvSpPr>
+            <a:spLocks noGrp="1"/>
+          </p:cNvSpPr>
+          <p:nvPr>
+            <p:ph type="title"/>
+          </p:nvPr>
+        </p:nvSpPr>
+        <p:spPr/>
+        <p:txBody>
+          <a:bodyPr>
+            <a:normAutofit fontScale="90000"/>
+          </a:bodyPr>
+          <a:lstStyle/>
+          <a:p>
+            <a:r>
+              <a:rPr lang="en-US" altLang="zh-CN" dirty="0" err="1"/>
+              <a:t>ArrayList</a:t>
+            </a:r>
+            <a:r>
+              <a:rPr lang="en-US" altLang="zh-CN" dirty="0"/>
+              <a:t>&lt;E&gt;</a:t>
+            </a:r>
+            <a:endParaRPr lang="zh-CN" altLang="en-US" dirty="0"/>
+          </a:p>
+        </p:txBody>
+      </p:sp>
+      <p:sp>
+        <p:nvSpPr>
+          <p:cNvPr id="3" name="内容占位符 2"/>
+          <p:cNvSpPr>
+            <a:spLocks noGrp="1"/>
+          </p:cNvSpPr>
+          <p:nvPr>
+            <p:ph idx="1"/>
+          </p:nvPr>
+        </p:nvSpPr>
+        <p:spPr>
+          <a:xfrm>
+            <a:off x="457200" y="1600200"/>
+            <a:ext cx="8229600" cy="4709120"/>
+          </a:xfrm>
+        </p:spPr>
+        <p:txBody>
+          <a:bodyPr>
+            <a:normAutofit fontScale="55000" lnSpcReduction="20000"/>
+          </a:bodyPr>
+          <a:lstStyle/>
+          <a:p>
+            <a:pPr marL="0" indent="0">
+              <a:buNone/>
+            </a:pPr>
+            <a:r>
+              <a:rPr lang="en-US" altLang="zh-CN" dirty="0"/>
+              <a:t>	  </a:t>
+            </a:r>
+            <a:r>
+              <a:rPr lang="en-US" altLang="zh-CN" dirty="0" err="1"/>
+              <a:t>ArrayList</a:t>
+            </a:r>
+            <a:r>
+              <a:rPr lang="en-US" altLang="zh-CN" dirty="0"/>
+              <a:t>&lt;String&gt; </a:t>
+            </a:r>
+            <a:r>
+              <a:rPr lang="en-US" altLang="zh-CN" dirty="0" err="1"/>
+              <a:t>obj</a:t>
+            </a:r>
+            <a:r>
+              <a:rPr lang="en-US" altLang="zh-CN" dirty="0"/>
+              <a:t> = new </a:t>
+            </a:r>
+            <a:r>
+              <a:rPr lang="en-US" altLang="zh-CN" dirty="0" err="1"/>
+              <a:t>ArrayList</a:t>
+            </a:r>
+            <a:r>
+              <a:rPr lang="en-US" altLang="zh-CN" dirty="0"/>
+              <a:t>&lt;String&gt;();</a:t>
+            </a:r>
+          </a:p>
+          <a:p>
+            <a:pPr marL="0" indent="0">
+              <a:buNone/>
+            </a:pPr>
+            <a:endParaRPr lang="en-US" altLang="zh-CN" dirty="0"/>
+          </a:p>
+          <a:p>
+            <a:pPr marL="0" indent="0">
+              <a:buNone/>
+            </a:pPr>
+            <a:r>
+              <a:rPr lang="en-US" altLang="zh-CN" dirty="0"/>
+              <a:t>	  /*This is how elements should be added to the array list*/</a:t>
+            </a:r>
+          </a:p>
+          <a:p>
+            <a:pPr marL="0" indent="0">
+              <a:buNone/>
+            </a:pPr>
+            <a:r>
+              <a:rPr lang="en-US" altLang="zh-CN" dirty="0"/>
+              <a:t>	  </a:t>
+            </a:r>
+            <a:r>
+              <a:rPr lang="en-US" altLang="zh-CN" dirty="0" err="1"/>
+              <a:t>obj.add</a:t>
+            </a:r>
+            <a:r>
+              <a:rPr lang="en-US" altLang="zh-CN" dirty="0"/>
+              <a:t>("</a:t>
+            </a:r>
+            <a:r>
+              <a:rPr lang="en-US" altLang="zh-CN" dirty="0" err="1"/>
+              <a:t>Ajeet</a:t>
+            </a:r>
+            <a:r>
+              <a:rPr lang="en-US" altLang="zh-CN" dirty="0"/>
+              <a:t>");</a:t>
+            </a:r>
+          </a:p>
+          <a:p>
+            <a:pPr marL="0" indent="0">
+              <a:buNone/>
+            </a:pPr>
+            <a:r>
+              <a:rPr lang="en-US" altLang="zh-CN" dirty="0"/>
+              <a:t>	  </a:t>
+            </a:r>
+            <a:r>
+              <a:rPr lang="en-US" altLang="zh-CN" dirty="0" err="1"/>
+              <a:t>obj.add</a:t>
+            </a:r>
+            <a:r>
+              <a:rPr lang="en-US" altLang="zh-CN" dirty="0"/>
+              <a:t>("Harry");</a:t>
+            </a:r>
+          </a:p>
+          <a:p>
+            <a:pPr marL="0" indent="0">
+              <a:buNone/>
+            </a:pPr>
+            <a:r>
+              <a:rPr lang="en-US" altLang="zh-CN" dirty="0"/>
+              <a:t>	  </a:t>
+            </a:r>
+            <a:r>
+              <a:rPr lang="en-US" altLang="zh-CN" dirty="0" err="1"/>
+              <a:t>obj.add</a:t>
+            </a:r>
+            <a:r>
+              <a:rPr lang="en-US" altLang="zh-CN" dirty="0"/>
+              <a:t>("Chaitanya");</a:t>
+            </a:r>
+          </a:p>
+          <a:p>
+            <a:pPr marL="0" indent="0">
+              <a:buNone/>
+            </a:pPr>
+            <a:endParaRPr lang="en-US" altLang="zh-CN" dirty="0"/>
+          </a:p>
+          <a:p>
+            <a:pPr marL="0" indent="0">
+              <a:buNone/>
+            </a:pPr>
+            <a:r>
+              <a:rPr lang="en-US" altLang="zh-CN" dirty="0"/>
+              <a:t>	  /*Add element at the given index*/</a:t>
+            </a:r>
+          </a:p>
+          <a:p>
+            <a:pPr marL="0" indent="0">
+              <a:buNone/>
+            </a:pPr>
+            <a:r>
+              <a:rPr lang="en-US" altLang="zh-CN" dirty="0"/>
+              <a:t>	  </a:t>
+            </a:r>
+            <a:r>
+              <a:rPr lang="en-US" altLang="zh-CN" dirty="0" err="1"/>
+              <a:t>obj.add</a:t>
+            </a:r>
+            <a:r>
+              <a:rPr lang="en-US" altLang="zh-CN" dirty="0"/>
+              <a:t>(0, "Rahul");</a:t>
+            </a:r>
+          </a:p>
+          <a:p>
+            <a:pPr marL="0" indent="0">
+              <a:buNone/>
+            </a:pPr>
+            <a:r>
+              <a:rPr lang="en-US" altLang="zh-CN" dirty="0"/>
+              <a:t>	  </a:t>
+            </a:r>
+            <a:r>
+              <a:rPr lang="en-US" altLang="zh-CN" dirty="0" err="1"/>
+              <a:t>obj.add</a:t>
+            </a:r>
+            <a:r>
+              <a:rPr lang="en-US" altLang="zh-CN" dirty="0"/>
+              <a:t>(1, "Justin");</a:t>
+            </a:r>
+          </a:p>
+          <a:p>
+            <a:pPr marL="0" indent="0">
+              <a:buNone/>
+            </a:pPr>
+            <a:endParaRPr lang="en-US" altLang="zh-CN" dirty="0"/>
+          </a:p>
+          <a:p>
+            <a:pPr marL="0" indent="0">
+              <a:buNone/>
+            </a:pPr>
+            <a:r>
+              <a:rPr lang="en-US" altLang="zh-CN" dirty="0"/>
+              <a:t>	  /*Remove elements from array list like this*/</a:t>
+            </a:r>
+          </a:p>
+          <a:p>
+            <a:pPr marL="0" indent="0">
+              <a:buNone/>
+            </a:pPr>
+            <a:r>
+              <a:rPr lang="en-US" altLang="zh-CN" dirty="0"/>
+              <a:t>	  </a:t>
+            </a:r>
+            <a:r>
+              <a:rPr lang="en-US" altLang="zh-CN" dirty="0" err="1"/>
+              <a:t>obj.remove</a:t>
+            </a:r>
+            <a:r>
+              <a:rPr lang="en-US" altLang="zh-CN" dirty="0"/>
+              <a:t>("Chaitanya");</a:t>
+            </a:r>
+          </a:p>
+          <a:p>
+            <a:pPr marL="0" indent="0">
+              <a:buNone/>
+            </a:pPr>
+            <a:r>
+              <a:rPr lang="en-US" altLang="zh-CN" dirty="0"/>
+              <a:t>	  </a:t>
+            </a:r>
+            <a:r>
+              <a:rPr lang="en-US" altLang="zh-CN" dirty="0" err="1"/>
+              <a:t>obj.remove</a:t>
+            </a:r>
+            <a:r>
+              <a:rPr lang="en-US" altLang="zh-CN" dirty="0"/>
+              <a:t>("Harry");</a:t>
+            </a:r>
+          </a:p>
+          <a:p>
+            <a:pPr marL="0" indent="0">
+              <a:buNone/>
+            </a:pPr>
+            <a:endParaRPr lang="en-US" altLang="zh-CN" dirty="0"/>
+          </a:p>
+          <a:p>
+            <a:pPr marL="0" indent="0">
+              <a:buNone/>
+            </a:pPr>
+            <a:r>
+              <a:rPr lang="en-US" altLang="zh-CN" dirty="0"/>
+              <a:t>	  /*Remove element from the given index*/</a:t>
+            </a:r>
+          </a:p>
+          <a:p>
+            <a:pPr marL="0" indent="0">
+              <a:buNone/>
+            </a:pPr>
+            <a:r>
+              <a:rPr lang="en-US" altLang="zh-CN" dirty="0"/>
+              <a:t>	  </a:t>
+            </a:r>
+            <a:r>
+              <a:rPr lang="en-US" altLang="zh-CN" dirty="0" err="1"/>
+              <a:t>obj.remove</a:t>
+            </a:r>
+            <a:r>
+              <a:rPr lang="en-US" altLang="zh-CN" dirty="0"/>
+              <a:t>(1);</a:t>
+            </a:r>
+          </a:p>
+          <a:p>
+            <a:pPr marL="0" indent="0">
+              <a:buNone/>
+            </a:pPr>
+            <a:endParaRPr lang="zh-CN" altLang="en-US" dirty="0"/>
+          </a:p>
+        </p:txBody>
+      </p:sp>
+    </p:spTree>
+    <p:extLst>
+      <p:ext uri="{BB962C8B-B14F-4D97-AF65-F5344CB8AC3E}">
+        <p14:creationId xmlns:p14="http://schemas.microsoft.com/office/powerpoint/2010/main" val="425019297"/>
+      </p:ext>
+    </p:extLst>
+  </p:cSld>
+  <p:clrMapOvr>
+    <a:masterClrMapping/>
+  </p:clrMapOvr>
+  <p:timing>
+    <p:tnLst>
+      <p:par>
+        <p:cTn id="1" dur="indefinite" restart="never" nodeType="tmRoot"/>
+      </p:par>
+    </p:tnLst>
+  </p:timing>
+</p:sld>
+</file>
+
+<file path=ppt/slides/slide9.xml><?xml version="1.0" encoding="utf-8"?>
+<p:sld xmlns:a="http://schemas.openxmlformats.org/drawingml/2006/main" xmlns:r="http://schemas.openxmlformats.org/officeDocument/2006/relationships" xmlns:p="http://schemas.openxmlformats.org/presentationml/2006/main">
+  <p:cSld>
+    <p:spTree>
+      <p:nvGrpSpPr>
+        <p:cNvPr id="1" name=""/>
+        <p:cNvGrpSpPr/>
+        <p:nvPr/>
+      </p:nvGrpSpPr>
+      <p:grpSpPr>
+        <a:xfrm>
+          <a:off x="0" y="0"/>
+          <a:ext cx="0" cy="0"/>
+          <a:chOff x="0" y="0"/>
+          <a:chExt cx="0" cy="0"/>
+        </a:xfrm>
+      </p:grpSpPr>
+      <p:sp>
+        <p:nvSpPr>
+          <p:cNvPr id="2" name="标题 1"/>
+          <p:cNvSpPr>
+            <a:spLocks noGrp="1"/>
+          </p:cNvSpPr>
+          <p:nvPr>
+            <p:ph type="title"/>
+          </p:nvPr>
+        </p:nvSpPr>
+        <p:spPr/>
+        <p:txBody>
+          <a:bodyPr>
+            <a:normAutofit fontScale="90000"/>
+          </a:bodyPr>
+          <a:lstStyle/>
+          <a:p>
+            <a:r>
+              <a:rPr lang="en-US" altLang="zh-CN" dirty="0" err="1"/>
+              <a:t>ArrayList</a:t>
+            </a:r>
+            <a:r>
+              <a:rPr lang="en-US" altLang="zh-CN" dirty="0"/>
+              <a:t>&lt;E</a:t>
+            </a:r>
+            <a:r>
+              <a:rPr lang="en-US" altLang="zh-CN" dirty="0" smtClean="0"/>
+              <a:t>&gt;</a:t>
+            </a:r>
+            <a:r>
+              <a:rPr lang="zh-CN" altLang="en-US" dirty="0" smtClean="0"/>
+              <a:t>的初始化</a:t>
+            </a:r>
+            <a:endParaRPr lang="zh-CN" altLang="en-US" dirty="0"/>
+          </a:p>
+        </p:txBody>
+      </p:sp>
+      <p:sp>
+        <p:nvSpPr>
+          <p:cNvPr id="3" name="内容占位符 2"/>
+          <p:cNvSpPr>
+            <a:spLocks noGrp="1"/>
+          </p:cNvSpPr>
+          <p:nvPr>
+            <p:ph idx="1"/>
+          </p:nvPr>
+        </p:nvSpPr>
+        <p:spPr/>
+        <p:txBody>
+          <a:bodyPr/>
+          <a:lstStyle/>
+          <a:p>
+            <a:pPr marL="0" indent="0">
+              <a:buNone/>
+            </a:pPr>
+            <a:r>
+              <a:rPr lang="en-US" altLang="zh-CN" dirty="0"/>
+              <a:t>List&lt;String&gt; t = </a:t>
+            </a:r>
+            <a:r>
+              <a:rPr lang="en-US" altLang="zh-CN" dirty="0" err="1"/>
+              <a:t>Arrays.asList</a:t>
+            </a:r>
+            <a:r>
+              <a:rPr lang="en-US" altLang="zh-CN" dirty="0"/>
+              <a:t>("</a:t>
+            </a:r>
+            <a:r>
+              <a:rPr lang="en-US" altLang="zh-CN" dirty="0" err="1"/>
+              <a:t>Pratap</a:t>
+            </a:r>
+            <a:r>
+              <a:rPr lang="en-US" altLang="zh-CN" dirty="0"/>
+              <a:t>", "Peter", "Harsh") </a:t>
+            </a:r>
+            <a:r>
+              <a:rPr lang="zh-CN" altLang="en-US" dirty="0"/>
+              <a:t>；</a:t>
+            </a:r>
+          </a:p>
+          <a:p>
+            <a:pPr marL="0" indent="0">
+              <a:buNone/>
+            </a:pPr>
+            <a:r>
+              <a:rPr lang="en-US" altLang="zh-CN" dirty="0" err="1"/>
+              <a:t>ArrayList</a:t>
+            </a:r>
+            <a:r>
+              <a:rPr lang="en-US" altLang="zh-CN" dirty="0"/>
+              <a:t>&lt;String&gt; </a:t>
+            </a:r>
+            <a:r>
+              <a:rPr lang="en-US" altLang="zh-CN" dirty="0" err="1"/>
+              <a:t>obj</a:t>
+            </a:r>
+            <a:r>
+              <a:rPr lang="en-US" altLang="zh-CN" dirty="0"/>
+              <a:t> = new </a:t>
+            </a:r>
+            <a:r>
+              <a:rPr lang="en-US" altLang="zh-CN" dirty="0" err="1"/>
+              <a:t>ArrayList</a:t>
+            </a:r>
+            <a:r>
+              <a:rPr lang="en-US" altLang="zh-CN" dirty="0"/>
+              <a:t>&lt;String&gt;(t) ;</a:t>
+            </a:r>
+            <a:endParaRPr lang="en-US" altLang="zh-CN" dirty="0" smtClean="0"/>
+          </a:p>
+        </p:txBody>
+      </p:sp>
+    </p:spTree>
+    <p:extLst>
+      <p:ext uri="{BB962C8B-B14F-4D97-AF65-F5344CB8AC3E}">
+        <p14:creationId xmlns:p14="http://schemas.microsoft.com/office/powerpoint/2010/main" val="3980773790"/>
+      </p:ext>
+    </p:extLst>
+  </p:cSld>
+  <p:clrMapOvr>
+    <a:masterClrMapping/>
+  </p:clrMapOvr>
+  <p:timing>
+    <p:tnLst>
+      <p:par>
+        <p:cTn id="1" dur="indefinite" restart="never" nodeType="tmRoot"/>
+      </p:par>
+    </p:tnLst>
+  </p:timing>
 </p:sld>
 </file>
 
